--- a/PAPERWORK/毕设开题PPT.pptx
+++ b/PAPERWORK/毕设开题PPT.pptx
@@ -9,29 +9,27 @@
     <p:sldMasterId id="2147483660" r:id="rId5"/>
   </p:sldMasterIdLst>
   <p:notesMasterIdLst>
-    <p:notesMasterId r:id="rId23"/>
+    <p:notesMasterId r:id="rId21"/>
   </p:notesMasterIdLst>
   <p:handoutMasterIdLst>
-    <p:handoutMasterId r:id="rId24"/>
+    <p:handoutMasterId r:id="rId22"/>
   </p:handoutMasterIdLst>
   <p:sldIdLst>
     <p:sldId id="455" r:id="rId6"/>
     <p:sldId id="453" r:id="rId7"/>
     <p:sldId id="477" r:id="rId8"/>
     <p:sldId id="466" r:id="rId9"/>
-    <p:sldId id="479" r:id="rId10"/>
-    <p:sldId id="482" r:id="rId11"/>
-    <p:sldId id="496" r:id="rId12"/>
-    <p:sldId id="497" r:id="rId13"/>
-    <p:sldId id="498" r:id="rId14"/>
-    <p:sldId id="480" r:id="rId15"/>
-    <p:sldId id="491" r:id="rId16"/>
-    <p:sldId id="499" r:id="rId17"/>
-    <p:sldId id="500" r:id="rId18"/>
-    <p:sldId id="501" r:id="rId19"/>
-    <p:sldId id="469" r:id="rId20"/>
-    <p:sldId id="463" r:id="rId21"/>
-    <p:sldId id="456" r:id="rId22"/>
+    <p:sldId id="497" r:id="rId10"/>
+    <p:sldId id="498" r:id="rId11"/>
+    <p:sldId id="480" r:id="rId12"/>
+    <p:sldId id="491" r:id="rId13"/>
+    <p:sldId id="502" r:id="rId14"/>
+    <p:sldId id="499" r:id="rId15"/>
+    <p:sldId id="500" r:id="rId16"/>
+    <p:sldId id="501" r:id="rId17"/>
+    <p:sldId id="469" r:id="rId18"/>
+    <p:sldId id="463" r:id="rId19"/>
+    <p:sldId id="456" r:id="rId20"/>
   </p:sldIdLst>
   <p:sldSz cx="12192000" cy="6858000"/>
   <p:notesSz cx="7099300" cy="10234613"/>
@@ -982,6 +980,11 @@
         </p:txBody>
       </p:sp>
     </p:spTree>
+    <p:extLst>
+      <p:ext uri="{BB962C8B-B14F-4D97-AF65-F5344CB8AC3E}">
+        <p14:creationId xmlns:p14="http://schemas.microsoft.com/office/powerpoint/2010/main" val="3281880505"/>
+      </p:ext>
+    </p:extLst>
   </p:cSld>
   <p:clrMapOvr>
     <a:masterClrMapping/>
@@ -1089,7 +1092,7 @@
     </p:spTree>
     <p:extLst>
       <p:ext uri="{BB962C8B-B14F-4D97-AF65-F5344CB8AC3E}">
-        <p14:creationId xmlns:p14="http://schemas.microsoft.com/office/powerpoint/2010/main" val="3221682144"/>
+        <p14:creationId xmlns:p14="http://schemas.microsoft.com/office/powerpoint/2010/main" val="2822020967"/>
       </p:ext>
     </p:extLst>
   </p:cSld>
@@ -1123,19 +1126,19 @@
             <a:spLocks noGrp="1" noRot="1" noChangeAspect="1"/>
           </p:cNvSpPr>
           <p:nvPr>
-            <p:ph type="sldImg" idx="2"/>
+            <p:ph type="sldImg"/>
           </p:nvPr>
         </p:nvSpPr>
         <p:spPr/>
       </p:sp>
       <p:sp>
         <p:nvSpPr>
-          <p:cNvPr id="3" name="文本占位符 2"/>
+          <p:cNvPr id="3" name="备注占位符 2"/>
           <p:cNvSpPr>
             <a:spLocks noGrp="1"/>
           </p:cNvSpPr>
           <p:nvPr>
-            <p:ph type="body" idx="3"/>
+            <p:ph type="body" idx="1"/>
           </p:nvPr>
         </p:nvSpPr>
         <p:spPr/>
@@ -1154,7 +1157,7 @@
             <a:spLocks noGrp="1"/>
           </p:cNvSpPr>
           <p:nvPr>
-            <p:ph type="hdr" sz="quarter"/>
+            <p:ph type="hdr" sz="quarter" idx="10"/>
           </p:nvPr>
         </p:nvSpPr>
         <p:spPr/>
@@ -1180,7 +1183,7 @@
             <a:spLocks noGrp="1"/>
           </p:cNvSpPr>
           <p:nvPr>
-            <p:ph type="sldNum" sz="quarter" idx="5"/>
+            <p:ph type="sldNum" sz="quarter" idx="11"/>
           </p:nvPr>
         </p:nvSpPr>
         <p:spPr/>
@@ -1189,7 +1192,7 @@
           <a:lstStyle/>
           <a:p>
             <a:fld id="{F19A2EC9-282E-4C73-9090-5E35C3C5DF68}" type="slidenum">
-              <a:rPr lang="zh-CN" altLang="en-US"/>
+              <a:rPr lang="zh-CN" altLang="en-US" smtClean="0"/>
               <a:t>13</a:t>
             </a:fld>
             <a:endParaRPr lang="en-US" altLang="zh-CN"/>
@@ -1197,11 +1200,6 @@
         </p:txBody>
       </p:sp>
     </p:spTree>
-    <p:extLst>
-      <p:ext uri="{BB962C8B-B14F-4D97-AF65-F5344CB8AC3E}">
-        <p14:creationId xmlns:p14="http://schemas.microsoft.com/office/powerpoint/2010/main" val="3281880505"/>
-      </p:ext>
-    </p:extLst>
   </p:cSld>
   <p:clrMapOvr>
     <a:masterClrMapping/>
@@ -1253,7 +1251,7 @@
           <a:bodyPr/>
           <a:lstStyle/>
           <a:p>
-            <a:endParaRPr lang="zh-CN" altLang="en-US" dirty="0"/>
+            <a:endParaRPr lang="zh-CN" altLang="en-US"/>
           </a:p>
         </p:txBody>
       </p:sp>
@@ -1301,221 +1299,6 @@
             <a:fld id="{F19A2EC9-282E-4C73-9090-5E35C3C5DF68}" type="slidenum">
               <a:rPr lang="zh-CN" altLang="en-US"/>
               <a:t>14</a:t>
-            </a:fld>
-            <a:endParaRPr lang="en-US" altLang="zh-CN"/>
-          </a:p>
-        </p:txBody>
-      </p:sp>
-    </p:spTree>
-    <p:extLst>
-      <p:ext uri="{BB962C8B-B14F-4D97-AF65-F5344CB8AC3E}">
-        <p14:creationId xmlns:p14="http://schemas.microsoft.com/office/powerpoint/2010/main" val="2822020967"/>
-      </p:ext>
-    </p:extLst>
-  </p:cSld>
-  <p:clrMapOvr>
-    <a:masterClrMapping/>
-  </p:clrMapOvr>
-</p:notes>
-</file>
-
-<file path=ppt/notesSlides/notesSlide14.xml><?xml version="1.0" encoding="utf-8"?>
-<p:notes xmlns:a="http://schemas.openxmlformats.org/drawingml/2006/main" xmlns:r="http://schemas.openxmlformats.org/officeDocument/2006/relationships" xmlns:p="http://schemas.openxmlformats.org/presentationml/2006/main">
-  <p:cSld>
-    <p:spTree>
-      <p:nvGrpSpPr>
-        <p:cNvPr id="1" name=""/>
-        <p:cNvGrpSpPr/>
-        <p:nvPr/>
-      </p:nvGrpSpPr>
-      <p:grpSpPr>
-        <a:xfrm>
-          <a:off x="0" y="0"/>
-          <a:ext cx="0" cy="0"/>
-          <a:chOff x="0" y="0"/>
-          <a:chExt cx="0" cy="0"/>
-        </a:xfrm>
-      </p:grpSpPr>
-      <p:sp>
-        <p:nvSpPr>
-          <p:cNvPr id="2" name="幻灯片图像占位符 1"/>
-          <p:cNvSpPr>
-            <a:spLocks noGrp="1" noRot="1" noChangeAspect="1"/>
-          </p:cNvSpPr>
-          <p:nvPr>
-            <p:ph type="sldImg"/>
-          </p:nvPr>
-        </p:nvSpPr>
-        <p:spPr/>
-      </p:sp>
-      <p:sp>
-        <p:nvSpPr>
-          <p:cNvPr id="3" name="备注占位符 2"/>
-          <p:cNvSpPr>
-            <a:spLocks noGrp="1"/>
-          </p:cNvSpPr>
-          <p:nvPr>
-            <p:ph type="body" idx="1"/>
-          </p:nvPr>
-        </p:nvSpPr>
-        <p:spPr/>
-        <p:txBody>
-          <a:bodyPr/>
-          <a:lstStyle/>
-          <a:p>
-            <a:endParaRPr lang="zh-CN" altLang="en-US" dirty="0"/>
-          </a:p>
-        </p:txBody>
-      </p:sp>
-      <p:sp>
-        <p:nvSpPr>
-          <p:cNvPr id="4" name="页眉占位符 3"/>
-          <p:cNvSpPr>
-            <a:spLocks noGrp="1"/>
-          </p:cNvSpPr>
-          <p:nvPr>
-            <p:ph type="hdr" sz="quarter" idx="10"/>
-          </p:nvPr>
-        </p:nvSpPr>
-        <p:spPr/>
-        <p:txBody>
-          <a:bodyPr/>
-          <a:lstStyle/>
-          <a:p>
-            <a:pPr>
-              <a:defRPr/>
-            </a:pPr>
-            <a:r>
-              <a:rPr lang="en-US" altLang="zh-CN"/>
-              <a:t>2 Year Research Plan (2017-2018)</a:t>
-            </a:r>
-            <a:endParaRPr lang="zh-CN" altLang="en-US"/>
-          </a:p>
-        </p:txBody>
-      </p:sp>
-      <p:sp>
-        <p:nvSpPr>
-          <p:cNvPr id="5" name="灯片编号占位符 4"/>
-          <p:cNvSpPr>
-            <a:spLocks noGrp="1"/>
-          </p:cNvSpPr>
-          <p:nvPr>
-            <p:ph type="sldNum" sz="quarter" idx="11"/>
-          </p:nvPr>
-        </p:nvSpPr>
-        <p:spPr/>
-        <p:txBody>
-          <a:bodyPr/>
-          <a:lstStyle/>
-          <a:p>
-            <a:fld id="{F19A2EC9-282E-4C73-9090-5E35C3C5DF68}" type="slidenum">
-              <a:rPr lang="zh-CN" altLang="en-US" smtClean="0"/>
-              <a:t>15</a:t>
-            </a:fld>
-            <a:endParaRPr lang="en-US" altLang="zh-CN"/>
-          </a:p>
-        </p:txBody>
-      </p:sp>
-    </p:spTree>
-  </p:cSld>
-  <p:clrMapOvr>
-    <a:masterClrMapping/>
-  </p:clrMapOvr>
-</p:notes>
-</file>
-
-<file path=ppt/notesSlides/notesSlide15.xml><?xml version="1.0" encoding="utf-8"?>
-<p:notes xmlns:a="http://schemas.openxmlformats.org/drawingml/2006/main" xmlns:r="http://schemas.openxmlformats.org/officeDocument/2006/relationships" xmlns:p="http://schemas.openxmlformats.org/presentationml/2006/main">
-  <p:cSld>
-    <p:spTree>
-      <p:nvGrpSpPr>
-        <p:cNvPr id="1" name=""/>
-        <p:cNvGrpSpPr/>
-        <p:nvPr/>
-      </p:nvGrpSpPr>
-      <p:grpSpPr>
-        <a:xfrm>
-          <a:off x="0" y="0"/>
-          <a:ext cx="0" cy="0"/>
-          <a:chOff x="0" y="0"/>
-          <a:chExt cx="0" cy="0"/>
-        </a:xfrm>
-      </p:grpSpPr>
-      <p:sp>
-        <p:nvSpPr>
-          <p:cNvPr id="2" name="幻灯片图像占位符 1"/>
-          <p:cNvSpPr>
-            <a:spLocks noGrp="1" noRot="1" noChangeAspect="1"/>
-          </p:cNvSpPr>
-          <p:nvPr>
-            <p:ph type="sldImg" idx="2"/>
-          </p:nvPr>
-        </p:nvSpPr>
-        <p:spPr/>
-      </p:sp>
-      <p:sp>
-        <p:nvSpPr>
-          <p:cNvPr id="3" name="文本占位符 2"/>
-          <p:cNvSpPr>
-            <a:spLocks noGrp="1"/>
-          </p:cNvSpPr>
-          <p:nvPr>
-            <p:ph type="body" idx="3"/>
-          </p:nvPr>
-        </p:nvSpPr>
-        <p:spPr/>
-        <p:txBody>
-          <a:bodyPr/>
-          <a:lstStyle/>
-          <a:p>
-            <a:endParaRPr lang="zh-CN" altLang="en-US"/>
-          </a:p>
-        </p:txBody>
-      </p:sp>
-      <p:sp>
-        <p:nvSpPr>
-          <p:cNvPr id="4" name="页眉占位符 3"/>
-          <p:cNvSpPr>
-            <a:spLocks noGrp="1"/>
-          </p:cNvSpPr>
-          <p:nvPr>
-            <p:ph type="hdr" sz="quarter"/>
-          </p:nvPr>
-        </p:nvSpPr>
-        <p:spPr/>
-        <p:txBody>
-          <a:bodyPr/>
-          <a:lstStyle/>
-          <a:p>
-            <a:pPr>
-              <a:defRPr/>
-            </a:pPr>
-            <a:r>
-              <a:rPr lang="en-US" altLang="zh-CN"/>
-              <a:t>2 Year Research Plan (2017-2018)</a:t>
-            </a:r>
-            <a:endParaRPr lang="zh-CN" altLang="en-US"/>
-          </a:p>
-        </p:txBody>
-      </p:sp>
-      <p:sp>
-        <p:nvSpPr>
-          <p:cNvPr id="5" name="灯片编号占位符 4"/>
-          <p:cNvSpPr>
-            <a:spLocks noGrp="1"/>
-          </p:cNvSpPr>
-          <p:nvPr>
-            <p:ph type="sldNum" sz="quarter" idx="5"/>
-          </p:nvPr>
-        </p:nvSpPr>
-        <p:spPr/>
-        <p:txBody>
-          <a:bodyPr/>
-          <a:lstStyle/>
-          <a:p>
-            <a:fld id="{F19A2EC9-282E-4C73-9090-5E35C3C5DF68}" type="slidenum">
-              <a:rPr lang="zh-CN" altLang="en-US"/>
-              <a:t>16</a:t>
             </a:fld>
             <a:endParaRPr lang="en-US" altLang="zh-CN"/>
           </a:p>
@@ -2619,6 +2402,11 @@
         </p:txBody>
       </p:sp>
     </p:spTree>
+    <p:extLst>
+      <p:ext uri="{BB962C8B-B14F-4D97-AF65-F5344CB8AC3E}">
+        <p14:creationId xmlns:p14="http://schemas.microsoft.com/office/powerpoint/2010/main" val="2921238860"/>
+      </p:ext>
+    </p:extLst>
   </p:cSld>
   <p:clrMapOvr>
     <a:masterClrMapping/>
@@ -2670,199 +2458,6 @@
           <a:bodyPr/>
           <a:lstStyle/>
           <a:p>
-            <a:pPr marL="0" marR="0" lvl="0" indent="0" algn="l" defTabSz="914400" rtl="0" eaLnBrk="1" fontAlgn="auto" latinLnBrk="0" hangingPunct="1">
-              <a:lnSpc>
-                <a:spcPct val="100000"/>
-              </a:lnSpc>
-              <a:spcBef>
-                <a:spcPts val="0"/>
-              </a:spcBef>
-              <a:spcAft>
-                <a:spcPts val="0"/>
-              </a:spcAft>
-              <a:buClrTx/>
-              <a:buSzTx/>
-              <a:buFontTx/>
-              <a:buNone/>
-              <a:defRPr/>
-            </a:pPr>
-            <a:r>
-              <a:rPr lang="zh-CN" altLang="en-US" dirty="0"/>
-              <a:t>在多人协同对象操纵中有一些相关工作专注于不同的用户操纵的类型不同，</a:t>
-            </a:r>
-            <a:endParaRPr lang="en-US" altLang="zh-CN" dirty="0"/>
-          </a:p>
-          <a:p>
-            <a:endParaRPr lang="en-US" altLang="zh-CN" dirty="0"/>
-          </a:p>
-          <a:p>
-            <a:pPr marL="0" marR="0" lvl="0" indent="0" algn="l" defTabSz="2099945" rtl="0" eaLnBrk="1" fontAlgn="auto" latinLnBrk="0" hangingPunct="1">
-              <a:lnSpc>
-                <a:spcPct val="100000"/>
-              </a:lnSpc>
-              <a:spcBef>
-                <a:spcPts val="0"/>
-              </a:spcBef>
-              <a:spcAft>
-                <a:spcPts val="0"/>
-              </a:spcAft>
-              <a:buClrTx/>
-              <a:buSzTx/>
-              <a:buFontTx/>
-              <a:buNone/>
-              <a:defRPr/>
-            </a:pPr>
-            <a:r>
-              <a:rPr lang="zh-CN" altLang="en-US" dirty="0"/>
-              <a:t>在左图中，</a:t>
-            </a:r>
-            <a:r>
-              <a:rPr lang="en-US" altLang="zh-CN" dirty="0"/>
-              <a:t>Pinho [1] </a:t>
-            </a:r>
-            <a:r>
-              <a:rPr lang="zh-CN" altLang="en-US" dirty="0"/>
-              <a:t>首次提出了分离操纵自由度的方法进行协同操纵。</a:t>
-            </a:r>
-            <a:endParaRPr lang="en-US" altLang="zh-CN" dirty="0"/>
-          </a:p>
-          <a:p>
-            <a:pPr marL="0" marR="0" lvl="0" indent="0" algn="l" defTabSz="2099945" rtl="0" eaLnBrk="1" fontAlgn="auto" latinLnBrk="0" hangingPunct="1">
-              <a:lnSpc>
-                <a:spcPct val="100000"/>
-              </a:lnSpc>
-              <a:spcBef>
-                <a:spcPts val="0"/>
-              </a:spcBef>
-              <a:spcAft>
-                <a:spcPts val="0"/>
-              </a:spcAft>
-              <a:buClrTx/>
-              <a:buSzTx/>
-              <a:buFontTx/>
-              <a:buNone/>
-              <a:defRPr/>
-            </a:pPr>
-            <a:endParaRPr lang="en-US" altLang="zh-CN" dirty="0"/>
-          </a:p>
-          <a:p>
-            <a:pPr marL="0" marR="0" lvl="0" indent="0" algn="l" defTabSz="2099945" rtl="0" eaLnBrk="1" fontAlgn="auto" latinLnBrk="0" hangingPunct="1">
-              <a:lnSpc>
-                <a:spcPct val="100000"/>
-              </a:lnSpc>
-              <a:spcBef>
-                <a:spcPts val="0"/>
-              </a:spcBef>
-              <a:spcAft>
-                <a:spcPts val="0"/>
-              </a:spcAft>
-              <a:buClrTx/>
-              <a:buSzTx/>
-              <a:buFontTx/>
-              <a:buNone/>
-              <a:defRPr/>
-            </a:pPr>
-            <a:r>
-              <a:rPr lang="zh-CN" altLang="en-US" sz="1200" b="0" i="0" u="none" strike="noStrike" baseline="0" dirty="0">
-                <a:latin typeface="NimbusRomNo9L-Regu"/>
-              </a:rPr>
-              <a:t>在右图中，</a:t>
-            </a:r>
-            <a:r>
-              <a:rPr lang="en-US" altLang="zh-CN" sz="1200" b="0" i="0" u="none" strike="noStrike" baseline="0" dirty="0">
-                <a:latin typeface="NimbusRomNo9L-Regu"/>
-              </a:rPr>
-              <a:t>Soares</a:t>
-            </a:r>
-            <a:r>
-              <a:rPr lang="zh-CN" altLang="en-US" sz="1200" b="0" i="0" u="none" strike="noStrike" baseline="0" dirty="0">
-                <a:latin typeface="NimbusRomNo9L-Regu"/>
-              </a:rPr>
-              <a:t>提出了</a:t>
-            </a:r>
-            <a:r>
-              <a:rPr lang="en-US" altLang="zh-CN" sz="1200" kern="1200" dirty="0">
-                <a:solidFill>
-                  <a:schemeClr val="tx1"/>
-                </a:solidFill>
-                <a:effectLst/>
-                <a:latin typeface="+mn-lt"/>
-                <a:ea typeface="+mn-ea"/>
-                <a:cs typeface="+mn-cs"/>
-              </a:rPr>
-              <a:t> ECO-EXO </a:t>
-            </a:r>
-            <a:r>
-              <a:rPr lang="zh-CN" altLang="zh-CN" sz="1200" kern="1200" dirty="0">
-                <a:solidFill>
-                  <a:schemeClr val="tx1"/>
-                </a:solidFill>
-                <a:effectLst/>
-                <a:latin typeface="+mn-lt"/>
-                <a:ea typeface="+mn-ea"/>
-                <a:cs typeface="+mn-cs"/>
-              </a:rPr>
-              <a:t>技术，该技术也将两个用户之间的自由度分开，根据用户在虚拟场景中的初始位置与被操纵对象的距离，为不同的 用户分配不同的操纵。如距离远的用户执行平移，而距离近的用户执行旋转。</a:t>
-            </a:r>
-            <a:endParaRPr lang="en-US" altLang="zh-CN" sz="1200" b="0" i="0" u="none" strike="noStrike" baseline="0" dirty="0">
-              <a:latin typeface="NimbusRomNo9L-Regu"/>
-            </a:endParaRPr>
-          </a:p>
-          <a:p>
-            <a:pPr marL="0" marR="0" lvl="0" indent="0" algn="l" defTabSz="2099945" rtl="0" eaLnBrk="1" fontAlgn="auto" latinLnBrk="0" hangingPunct="1">
-              <a:lnSpc>
-                <a:spcPct val="100000"/>
-              </a:lnSpc>
-              <a:spcBef>
-                <a:spcPts val="0"/>
-              </a:spcBef>
-              <a:spcAft>
-                <a:spcPts val="0"/>
-              </a:spcAft>
-              <a:buClrTx/>
-              <a:buSzTx/>
-              <a:buFontTx/>
-              <a:buNone/>
-              <a:defRPr/>
-            </a:pPr>
-            <a:endParaRPr lang="en-US" altLang="zh-CN" dirty="0"/>
-          </a:p>
-          <a:p>
-            <a:pPr marL="0" marR="0" lvl="0" indent="0" algn="l" defTabSz="2099945" rtl="0" eaLnBrk="1" fontAlgn="auto" latinLnBrk="0" hangingPunct="1">
-              <a:lnSpc>
-                <a:spcPct val="100000"/>
-              </a:lnSpc>
-              <a:spcBef>
-                <a:spcPts val="0"/>
-              </a:spcBef>
-              <a:spcAft>
-                <a:spcPts val="0"/>
-              </a:spcAft>
-              <a:buClrTx/>
-              <a:buSzTx/>
-              <a:buFontTx/>
-              <a:buNone/>
-              <a:defRPr/>
-            </a:pPr>
-            <a:r>
-              <a:rPr lang="zh-CN" altLang="en-US" dirty="0"/>
-              <a:t>然而这些方法都没有考虑根据用户的视点质量和</a:t>
-            </a:r>
-            <a:r>
-              <a:rPr lang="en-US" altLang="zh-CN" dirty="0" err="1"/>
-              <a:t>obect</a:t>
-            </a:r>
-            <a:r>
-              <a:rPr lang="en-US" altLang="zh-CN" dirty="0"/>
-              <a:t>-target</a:t>
-            </a:r>
-            <a:r>
-              <a:rPr lang="zh-CN" altLang="en-US" dirty="0"/>
-              <a:t>视觉度量自适应分离操纵，可能会影响对象操纵的效率和精度。</a:t>
-            </a:r>
-            <a:endParaRPr lang="en-US" altLang="zh-CN" dirty="0"/>
-          </a:p>
-          <a:p>
             <a:endParaRPr lang="zh-CN" altLang="en-US" dirty="0"/>
           </a:p>
         </p:txBody>
@@ -2917,6 +2512,11 @@
         </p:txBody>
       </p:sp>
     </p:spTree>
+    <p:extLst>
+      <p:ext uri="{BB962C8B-B14F-4D97-AF65-F5344CB8AC3E}">
+        <p14:creationId xmlns:p14="http://schemas.microsoft.com/office/powerpoint/2010/main" val="344599255"/>
+      </p:ext>
+    </p:extLst>
   </p:cSld>
   <p:clrMapOvr>
     <a:masterClrMapping/>
@@ -2968,199 +2568,6 @@
           <a:bodyPr/>
           <a:lstStyle/>
           <a:p>
-            <a:pPr marL="0" marR="0" lvl="0" indent="0" algn="l" defTabSz="914400" rtl="0" eaLnBrk="1" fontAlgn="auto" latinLnBrk="0" hangingPunct="1">
-              <a:lnSpc>
-                <a:spcPct val="100000"/>
-              </a:lnSpc>
-              <a:spcBef>
-                <a:spcPts val="0"/>
-              </a:spcBef>
-              <a:spcAft>
-                <a:spcPts val="0"/>
-              </a:spcAft>
-              <a:buClrTx/>
-              <a:buSzTx/>
-              <a:buFontTx/>
-              <a:buNone/>
-              <a:defRPr/>
-            </a:pPr>
-            <a:r>
-              <a:rPr lang="zh-CN" altLang="en-US" dirty="0"/>
-              <a:t>在多人协同对象操纵中有一些相关工作专注于不同的用户操纵的类型不同，</a:t>
-            </a:r>
-            <a:endParaRPr lang="en-US" altLang="zh-CN" dirty="0"/>
-          </a:p>
-          <a:p>
-            <a:endParaRPr lang="en-US" altLang="zh-CN" dirty="0"/>
-          </a:p>
-          <a:p>
-            <a:pPr marL="0" marR="0" lvl="0" indent="0" algn="l" defTabSz="2099945" rtl="0" eaLnBrk="1" fontAlgn="auto" latinLnBrk="0" hangingPunct="1">
-              <a:lnSpc>
-                <a:spcPct val="100000"/>
-              </a:lnSpc>
-              <a:spcBef>
-                <a:spcPts val="0"/>
-              </a:spcBef>
-              <a:spcAft>
-                <a:spcPts val="0"/>
-              </a:spcAft>
-              <a:buClrTx/>
-              <a:buSzTx/>
-              <a:buFontTx/>
-              <a:buNone/>
-              <a:defRPr/>
-            </a:pPr>
-            <a:r>
-              <a:rPr lang="zh-CN" altLang="en-US" dirty="0"/>
-              <a:t>在左图中，</a:t>
-            </a:r>
-            <a:r>
-              <a:rPr lang="en-US" altLang="zh-CN" dirty="0"/>
-              <a:t>Pinho [1] </a:t>
-            </a:r>
-            <a:r>
-              <a:rPr lang="zh-CN" altLang="en-US" dirty="0"/>
-              <a:t>首次提出了分离操纵自由度的方法进行协同操纵。</a:t>
-            </a:r>
-            <a:endParaRPr lang="en-US" altLang="zh-CN" dirty="0"/>
-          </a:p>
-          <a:p>
-            <a:pPr marL="0" marR="0" lvl="0" indent="0" algn="l" defTabSz="2099945" rtl="0" eaLnBrk="1" fontAlgn="auto" latinLnBrk="0" hangingPunct="1">
-              <a:lnSpc>
-                <a:spcPct val="100000"/>
-              </a:lnSpc>
-              <a:spcBef>
-                <a:spcPts val="0"/>
-              </a:spcBef>
-              <a:spcAft>
-                <a:spcPts val="0"/>
-              </a:spcAft>
-              <a:buClrTx/>
-              <a:buSzTx/>
-              <a:buFontTx/>
-              <a:buNone/>
-              <a:defRPr/>
-            </a:pPr>
-            <a:endParaRPr lang="en-US" altLang="zh-CN" dirty="0"/>
-          </a:p>
-          <a:p>
-            <a:pPr marL="0" marR="0" lvl="0" indent="0" algn="l" defTabSz="2099945" rtl="0" eaLnBrk="1" fontAlgn="auto" latinLnBrk="0" hangingPunct="1">
-              <a:lnSpc>
-                <a:spcPct val="100000"/>
-              </a:lnSpc>
-              <a:spcBef>
-                <a:spcPts val="0"/>
-              </a:spcBef>
-              <a:spcAft>
-                <a:spcPts val="0"/>
-              </a:spcAft>
-              <a:buClrTx/>
-              <a:buSzTx/>
-              <a:buFontTx/>
-              <a:buNone/>
-              <a:defRPr/>
-            </a:pPr>
-            <a:r>
-              <a:rPr lang="zh-CN" altLang="en-US" sz="1200" b="0" i="0" u="none" strike="noStrike" baseline="0" dirty="0">
-                <a:latin typeface="NimbusRomNo9L-Regu"/>
-              </a:rPr>
-              <a:t>在右图中，</a:t>
-            </a:r>
-            <a:r>
-              <a:rPr lang="en-US" altLang="zh-CN" sz="1200" b="0" i="0" u="none" strike="noStrike" baseline="0" dirty="0">
-                <a:latin typeface="NimbusRomNo9L-Regu"/>
-              </a:rPr>
-              <a:t>Soares</a:t>
-            </a:r>
-            <a:r>
-              <a:rPr lang="zh-CN" altLang="en-US" sz="1200" b="0" i="0" u="none" strike="noStrike" baseline="0" dirty="0">
-                <a:latin typeface="NimbusRomNo9L-Regu"/>
-              </a:rPr>
-              <a:t>提出了</a:t>
-            </a:r>
-            <a:r>
-              <a:rPr lang="en-US" altLang="zh-CN" sz="1200" kern="1200" dirty="0">
-                <a:solidFill>
-                  <a:schemeClr val="tx1"/>
-                </a:solidFill>
-                <a:effectLst/>
-                <a:latin typeface="+mn-lt"/>
-                <a:ea typeface="+mn-ea"/>
-                <a:cs typeface="+mn-cs"/>
-              </a:rPr>
-              <a:t> ECO-EXO </a:t>
-            </a:r>
-            <a:r>
-              <a:rPr lang="zh-CN" altLang="zh-CN" sz="1200" kern="1200" dirty="0">
-                <a:solidFill>
-                  <a:schemeClr val="tx1"/>
-                </a:solidFill>
-                <a:effectLst/>
-                <a:latin typeface="+mn-lt"/>
-                <a:ea typeface="+mn-ea"/>
-                <a:cs typeface="+mn-cs"/>
-              </a:rPr>
-              <a:t>技术，该技术也将两个用户之间的自由度分开，根据用户在虚拟场景中的初始位置与被操纵对象的距离，为不同的 用户分配不同的操纵。如距离远的用户执行平移，而距离近的用户执行旋转。</a:t>
-            </a:r>
-            <a:endParaRPr lang="en-US" altLang="zh-CN" sz="1200" b="0" i="0" u="none" strike="noStrike" baseline="0" dirty="0">
-              <a:latin typeface="NimbusRomNo9L-Regu"/>
-            </a:endParaRPr>
-          </a:p>
-          <a:p>
-            <a:pPr marL="0" marR="0" lvl="0" indent="0" algn="l" defTabSz="2099945" rtl="0" eaLnBrk="1" fontAlgn="auto" latinLnBrk="0" hangingPunct="1">
-              <a:lnSpc>
-                <a:spcPct val="100000"/>
-              </a:lnSpc>
-              <a:spcBef>
-                <a:spcPts val="0"/>
-              </a:spcBef>
-              <a:spcAft>
-                <a:spcPts val="0"/>
-              </a:spcAft>
-              <a:buClrTx/>
-              <a:buSzTx/>
-              <a:buFontTx/>
-              <a:buNone/>
-              <a:defRPr/>
-            </a:pPr>
-            <a:endParaRPr lang="en-US" altLang="zh-CN" dirty="0"/>
-          </a:p>
-          <a:p>
-            <a:pPr marL="0" marR="0" lvl="0" indent="0" algn="l" defTabSz="2099945" rtl="0" eaLnBrk="1" fontAlgn="auto" latinLnBrk="0" hangingPunct="1">
-              <a:lnSpc>
-                <a:spcPct val="100000"/>
-              </a:lnSpc>
-              <a:spcBef>
-                <a:spcPts val="0"/>
-              </a:spcBef>
-              <a:spcAft>
-                <a:spcPts val="0"/>
-              </a:spcAft>
-              <a:buClrTx/>
-              <a:buSzTx/>
-              <a:buFontTx/>
-              <a:buNone/>
-              <a:defRPr/>
-            </a:pPr>
-            <a:r>
-              <a:rPr lang="zh-CN" altLang="en-US" dirty="0"/>
-              <a:t>然而这些方法都没有考虑根据用户的视点质量和</a:t>
-            </a:r>
-            <a:r>
-              <a:rPr lang="en-US" altLang="zh-CN" dirty="0" err="1"/>
-              <a:t>obect</a:t>
-            </a:r>
-            <a:r>
-              <a:rPr lang="en-US" altLang="zh-CN" dirty="0"/>
-              <a:t>-target</a:t>
-            </a:r>
-            <a:r>
-              <a:rPr lang="zh-CN" altLang="en-US" dirty="0"/>
-              <a:t>视觉度量自适应分离操纵，可能会影响对象操纵的效率和精度。</a:t>
-            </a:r>
-            <a:endParaRPr lang="en-US" altLang="zh-CN" dirty="0"/>
-          </a:p>
-          <a:p>
             <a:endParaRPr lang="zh-CN" altLang="en-US" dirty="0"/>
           </a:p>
         </p:txBody>
@@ -3172,7 +2579,7 @@
             <a:spLocks noGrp="1"/>
           </p:cNvSpPr>
           <p:nvPr>
-            <p:ph type="hdr" sz="quarter"/>
+            <p:ph type="hdr" sz="quarter" idx="10"/>
           </p:nvPr>
         </p:nvSpPr>
         <p:spPr/>
@@ -3198,7 +2605,7 @@
             <a:spLocks noGrp="1"/>
           </p:cNvSpPr>
           <p:nvPr>
-            <p:ph type="sldNum" sz="quarter" idx="5"/>
+            <p:ph type="sldNum" sz="quarter" idx="11"/>
           </p:nvPr>
         </p:nvSpPr>
         <p:spPr/>
@@ -3215,11 +2622,6 @@
         </p:txBody>
       </p:sp>
     </p:spTree>
-    <p:extLst>
-      <p:ext uri="{BB962C8B-B14F-4D97-AF65-F5344CB8AC3E}">
-        <p14:creationId xmlns:p14="http://schemas.microsoft.com/office/powerpoint/2010/main" val="4009823773"/>
-      </p:ext>
-    </p:extLst>
   </p:cSld>
   <p:clrMapOvr>
     <a:masterClrMapping/>
@@ -3251,218 +2653,25 @@
             <a:spLocks noGrp="1" noRot="1" noChangeAspect="1"/>
           </p:cNvSpPr>
           <p:nvPr>
-            <p:ph type="sldImg"/>
+            <p:ph type="sldImg" idx="2"/>
           </p:nvPr>
         </p:nvSpPr>
         <p:spPr/>
       </p:sp>
       <p:sp>
         <p:nvSpPr>
-          <p:cNvPr id="3" name="备注占位符 2"/>
+          <p:cNvPr id="3" name="文本占位符 2"/>
           <p:cNvSpPr>
             <a:spLocks noGrp="1"/>
           </p:cNvSpPr>
           <p:nvPr>
-            <p:ph type="body" idx="1"/>
+            <p:ph type="body" idx="3"/>
           </p:nvPr>
         </p:nvSpPr>
         <p:spPr/>
         <p:txBody>
           <a:bodyPr/>
           <a:lstStyle/>
-          <a:p>
-            <a:pPr marL="0" marR="0" lvl="0" indent="0" algn="l" defTabSz="914400" rtl="0" eaLnBrk="1" fontAlgn="auto" latinLnBrk="0" hangingPunct="1">
-              <a:lnSpc>
-                <a:spcPct val="100000"/>
-              </a:lnSpc>
-              <a:spcBef>
-                <a:spcPts val="0"/>
-              </a:spcBef>
-              <a:spcAft>
-                <a:spcPts val="0"/>
-              </a:spcAft>
-              <a:buClrTx/>
-              <a:buSzTx/>
-              <a:buFontTx/>
-              <a:buNone/>
-              <a:defRPr/>
-            </a:pPr>
-            <a:r>
-              <a:rPr lang="zh-CN" altLang="en-US" dirty="0"/>
-              <a:t>在多人协同对象操纵中有一些相关工作专注于不同的用户操纵的类型不同，</a:t>
-            </a:r>
-            <a:endParaRPr lang="en-US" altLang="zh-CN" dirty="0"/>
-          </a:p>
-          <a:p>
-            <a:endParaRPr lang="en-US" altLang="zh-CN" dirty="0"/>
-          </a:p>
-          <a:p>
-            <a:pPr marL="0" marR="0" lvl="0" indent="0" algn="l" defTabSz="2099945" rtl="0" eaLnBrk="1" fontAlgn="auto" latinLnBrk="0" hangingPunct="1">
-              <a:lnSpc>
-                <a:spcPct val="100000"/>
-              </a:lnSpc>
-              <a:spcBef>
-                <a:spcPts val="0"/>
-              </a:spcBef>
-              <a:spcAft>
-                <a:spcPts val="0"/>
-              </a:spcAft>
-              <a:buClrTx/>
-              <a:buSzTx/>
-              <a:buFontTx/>
-              <a:buNone/>
-              <a:defRPr/>
-            </a:pPr>
-            <a:r>
-              <a:rPr lang="zh-CN" altLang="en-US" dirty="0"/>
-              <a:t>在左图中，</a:t>
-            </a:r>
-            <a:r>
-              <a:rPr lang="en-US" altLang="zh-CN" dirty="0"/>
-              <a:t>Pinho [1] </a:t>
-            </a:r>
-            <a:r>
-              <a:rPr lang="zh-CN" altLang="en-US" dirty="0"/>
-              <a:t>首次提出了分离操纵自由度的方法进行协同操纵。</a:t>
-            </a:r>
-            <a:endParaRPr lang="en-US" altLang="zh-CN" dirty="0"/>
-          </a:p>
-          <a:p>
-            <a:pPr marL="0" marR="0" lvl="0" indent="0" algn="l" defTabSz="2099945" rtl="0" eaLnBrk="1" fontAlgn="auto" latinLnBrk="0" hangingPunct="1">
-              <a:lnSpc>
-                <a:spcPct val="100000"/>
-              </a:lnSpc>
-              <a:spcBef>
-                <a:spcPts val="0"/>
-              </a:spcBef>
-              <a:spcAft>
-                <a:spcPts val="0"/>
-              </a:spcAft>
-              <a:buClrTx/>
-              <a:buSzTx/>
-              <a:buFontTx/>
-              <a:buNone/>
-              <a:defRPr/>
-            </a:pPr>
-            <a:endParaRPr lang="en-US" altLang="zh-CN" dirty="0"/>
-          </a:p>
-          <a:p>
-            <a:pPr marL="0" marR="0" lvl="0" indent="0" algn="l" defTabSz="2099945" rtl="0" eaLnBrk="1" fontAlgn="auto" latinLnBrk="0" hangingPunct="1">
-              <a:lnSpc>
-                <a:spcPct val="100000"/>
-              </a:lnSpc>
-              <a:spcBef>
-                <a:spcPts val="0"/>
-              </a:spcBef>
-              <a:spcAft>
-                <a:spcPts val="0"/>
-              </a:spcAft>
-              <a:buClrTx/>
-              <a:buSzTx/>
-              <a:buFontTx/>
-              <a:buNone/>
-              <a:defRPr/>
-            </a:pPr>
-            <a:r>
-              <a:rPr lang="zh-CN" altLang="en-US" sz="1200" b="0" i="0" u="none" strike="noStrike" baseline="0" dirty="0">
-                <a:latin typeface="NimbusRomNo9L-Regu"/>
-              </a:rPr>
-              <a:t>在右图中，</a:t>
-            </a:r>
-            <a:r>
-              <a:rPr lang="en-US" altLang="zh-CN" sz="1200" b="0" i="0" u="none" strike="noStrike" baseline="0" dirty="0">
-                <a:latin typeface="NimbusRomNo9L-Regu"/>
-              </a:rPr>
-              <a:t>Soares</a:t>
-            </a:r>
-            <a:r>
-              <a:rPr lang="zh-CN" altLang="en-US" sz="1200" b="0" i="0" u="none" strike="noStrike" baseline="0" dirty="0">
-                <a:latin typeface="NimbusRomNo9L-Regu"/>
-              </a:rPr>
-              <a:t>提出了</a:t>
-            </a:r>
-            <a:r>
-              <a:rPr lang="en-US" altLang="zh-CN" sz="1200" kern="1200" dirty="0">
-                <a:solidFill>
-                  <a:schemeClr val="tx1"/>
-                </a:solidFill>
-                <a:effectLst/>
-                <a:latin typeface="+mn-lt"/>
-                <a:ea typeface="+mn-ea"/>
-                <a:cs typeface="+mn-cs"/>
-              </a:rPr>
-              <a:t> ECO-EXO </a:t>
-            </a:r>
-            <a:r>
-              <a:rPr lang="zh-CN" altLang="zh-CN" sz="1200" kern="1200" dirty="0">
-                <a:solidFill>
-                  <a:schemeClr val="tx1"/>
-                </a:solidFill>
-                <a:effectLst/>
-                <a:latin typeface="+mn-lt"/>
-                <a:ea typeface="+mn-ea"/>
-                <a:cs typeface="+mn-cs"/>
-              </a:rPr>
-              <a:t>技术，该技术也将两个用户之间的自由度分开，根据用户在虚拟场景中的初始位置与被操纵对象的距离，为不同的 用户分配不同的操纵。如距离远的用户执行平移，而距离近的用户执行旋转。</a:t>
-            </a:r>
-            <a:endParaRPr lang="en-US" altLang="zh-CN" sz="1200" b="0" i="0" u="none" strike="noStrike" baseline="0" dirty="0">
-              <a:latin typeface="NimbusRomNo9L-Regu"/>
-            </a:endParaRPr>
-          </a:p>
-          <a:p>
-            <a:pPr marL="0" marR="0" lvl="0" indent="0" algn="l" defTabSz="2099945" rtl="0" eaLnBrk="1" fontAlgn="auto" latinLnBrk="0" hangingPunct="1">
-              <a:lnSpc>
-                <a:spcPct val="100000"/>
-              </a:lnSpc>
-              <a:spcBef>
-                <a:spcPts val="0"/>
-              </a:spcBef>
-              <a:spcAft>
-                <a:spcPts val="0"/>
-              </a:spcAft>
-              <a:buClrTx/>
-              <a:buSzTx/>
-              <a:buFontTx/>
-              <a:buNone/>
-              <a:defRPr/>
-            </a:pPr>
-            <a:endParaRPr lang="en-US" altLang="zh-CN" dirty="0"/>
-          </a:p>
-          <a:p>
-            <a:pPr marL="0" marR="0" lvl="0" indent="0" algn="l" defTabSz="2099945" rtl="0" eaLnBrk="1" fontAlgn="auto" latinLnBrk="0" hangingPunct="1">
-              <a:lnSpc>
-                <a:spcPct val="100000"/>
-              </a:lnSpc>
-              <a:spcBef>
-                <a:spcPts val="0"/>
-              </a:spcBef>
-              <a:spcAft>
-                <a:spcPts val="0"/>
-              </a:spcAft>
-              <a:buClrTx/>
-              <a:buSzTx/>
-              <a:buFontTx/>
-              <a:buNone/>
-              <a:defRPr/>
-            </a:pPr>
-            <a:r>
-              <a:rPr lang="zh-CN" altLang="en-US" dirty="0"/>
-              <a:t>然而这些方法都没有考虑根据用户的视点质量和</a:t>
-            </a:r>
-            <a:r>
-              <a:rPr lang="en-US" altLang="zh-CN" dirty="0" err="1"/>
-              <a:t>obect</a:t>
-            </a:r>
-            <a:r>
-              <a:rPr lang="en-US" altLang="zh-CN" dirty="0"/>
-              <a:t>-target</a:t>
-            </a:r>
-            <a:r>
-              <a:rPr lang="zh-CN" altLang="en-US" dirty="0"/>
-              <a:t>视觉度量自适应分离操纵，可能会影响对象操纵的效率和精度。</a:t>
-            </a:r>
-            <a:endParaRPr lang="en-US" altLang="zh-CN" dirty="0"/>
-          </a:p>
           <a:p>
             <a:endParaRPr lang="zh-CN" altLang="en-US" dirty="0"/>
           </a:p>
@@ -3510,7 +2719,7 @@
           <a:lstStyle/>
           <a:p>
             <a:fld id="{F19A2EC9-282E-4C73-9090-5E35C3C5DF68}" type="slidenum">
-              <a:rPr lang="zh-CN" altLang="en-US" smtClean="0"/>
+              <a:rPr lang="zh-CN" altLang="en-US"/>
               <a:t>8</a:t>
             </a:fld>
             <a:endParaRPr lang="en-US" altLang="zh-CN"/>
@@ -3518,11 +2727,6 @@
         </p:txBody>
       </p:sp>
     </p:spTree>
-    <p:extLst>
-      <p:ext uri="{BB962C8B-B14F-4D97-AF65-F5344CB8AC3E}">
-        <p14:creationId xmlns:p14="http://schemas.microsoft.com/office/powerpoint/2010/main" val="2921238860"/>
-      </p:ext>
-    </p:extLst>
   </p:cSld>
   <p:clrMapOvr>
     <a:masterClrMapping/>
@@ -3554,218 +2758,25 @@
             <a:spLocks noGrp="1" noRot="1" noChangeAspect="1"/>
           </p:cNvSpPr>
           <p:nvPr>
-            <p:ph type="sldImg"/>
+            <p:ph type="sldImg" idx="2"/>
           </p:nvPr>
         </p:nvSpPr>
         <p:spPr/>
       </p:sp>
       <p:sp>
         <p:nvSpPr>
-          <p:cNvPr id="3" name="备注占位符 2"/>
+          <p:cNvPr id="3" name="文本占位符 2"/>
           <p:cNvSpPr>
             <a:spLocks noGrp="1"/>
           </p:cNvSpPr>
           <p:nvPr>
-            <p:ph type="body" idx="1"/>
+            <p:ph type="body" idx="3"/>
           </p:nvPr>
         </p:nvSpPr>
         <p:spPr/>
         <p:txBody>
           <a:bodyPr/>
           <a:lstStyle/>
-          <a:p>
-            <a:pPr marL="0" marR="0" lvl="0" indent="0" algn="l" defTabSz="914400" rtl="0" eaLnBrk="1" fontAlgn="auto" latinLnBrk="0" hangingPunct="1">
-              <a:lnSpc>
-                <a:spcPct val="100000"/>
-              </a:lnSpc>
-              <a:spcBef>
-                <a:spcPts val="0"/>
-              </a:spcBef>
-              <a:spcAft>
-                <a:spcPts val="0"/>
-              </a:spcAft>
-              <a:buClrTx/>
-              <a:buSzTx/>
-              <a:buFontTx/>
-              <a:buNone/>
-              <a:defRPr/>
-            </a:pPr>
-            <a:r>
-              <a:rPr lang="zh-CN" altLang="en-US" dirty="0"/>
-              <a:t>在多人协同对象操纵中有一些相关工作专注于不同的用户操纵的类型不同，</a:t>
-            </a:r>
-            <a:endParaRPr lang="en-US" altLang="zh-CN" dirty="0"/>
-          </a:p>
-          <a:p>
-            <a:endParaRPr lang="en-US" altLang="zh-CN" dirty="0"/>
-          </a:p>
-          <a:p>
-            <a:pPr marL="0" marR="0" lvl="0" indent="0" algn="l" defTabSz="2099945" rtl="0" eaLnBrk="1" fontAlgn="auto" latinLnBrk="0" hangingPunct="1">
-              <a:lnSpc>
-                <a:spcPct val="100000"/>
-              </a:lnSpc>
-              <a:spcBef>
-                <a:spcPts val="0"/>
-              </a:spcBef>
-              <a:spcAft>
-                <a:spcPts val="0"/>
-              </a:spcAft>
-              <a:buClrTx/>
-              <a:buSzTx/>
-              <a:buFontTx/>
-              <a:buNone/>
-              <a:defRPr/>
-            </a:pPr>
-            <a:r>
-              <a:rPr lang="zh-CN" altLang="en-US" dirty="0"/>
-              <a:t>在左图中，</a:t>
-            </a:r>
-            <a:r>
-              <a:rPr lang="en-US" altLang="zh-CN" dirty="0"/>
-              <a:t>Pinho [1] </a:t>
-            </a:r>
-            <a:r>
-              <a:rPr lang="zh-CN" altLang="en-US" dirty="0"/>
-              <a:t>首次提出了分离操纵自由度的方法进行协同操纵。</a:t>
-            </a:r>
-            <a:endParaRPr lang="en-US" altLang="zh-CN" dirty="0"/>
-          </a:p>
-          <a:p>
-            <a:pPr marL="0" marR="0" lvl="0" indent="0" algn="l" defTabSz="2099945" rtl="0" eaLnBrk="1" fontAlgn="auto" latinLnBrk="0" hangingPunct="1">
-              <a:lnSpc>
-                <a:spcPct val="100000"/>
-              </a:lnSpc>
-              <a:spcBef>
-                <a:spcPts val="0"/>
-              </a:spcBef>
-              <a:spcAft>
-                <a:spcPts val="0"/>
-              </a:spcAft>
-              <a:buClrTx/>
-              <a:buSzTx/>
-              <a:buFontTx/>
-              <a:buNone/>
-              <a:defRPr/>
-            </a:pPr>
-            <a:endParaRPr lang="en-US" altLang="zh-CN" dirty="0"/>
-          </a:p>
-          <a:p>
-            <a:pPr marL="0" marR="0" lvl="0" indent="0" algn="l" defTabSz="2099945" rtl="0" eaLnBrk="1" fontAlgn="auto" latinLnBrk="0" hangingPunct="1">
-              <a:lnSpc>
-                <a:spcPct val="100000"/>
-              </a:lnSpc>
-              <a:spcBef>
-                <a:spcPts val="0"/>
-              </a:spcBef>
-              <a:spcAft>
-                <a:spcPts val="0"/>
-              </a:spcAft>
-              <a:buClrTx/>
-              <a:buSzTx/>
-              <a:buFontTx/>
-              <a:buNone/>
-              <a:defRPr/>
-            </a:pPr>
-            <a:r>
-              <a:rPr lang="zh-CN" altLang="en-US" sz="1200" b="0" i="0" u="none" strike="noStrike" baseline="0" dirty="0">
-                <a:latin typeface="NimbusRomNo9L-Regu"/>
-              </a:rPr>
-              <a:t>在右图中，</a:t>
-            </a:r>
-            <a:r>
-              <a:rPr lang="en-US" altLang="zh-CN" sz="1200" b="0" i="0" u="none" strike="noStrike" baseline="0" dirty="0">
-                <a:latin typeface="NimbusRomNo9L-Regu"/>
-              </a:rPr>
-              <a:t>Soares</a:t>
-            </a:r>
-            <a:r>
-              <a:rPr lang="zh-CN" altLang="en-US" sz="1200" b="0" i="0" u="none" strike="noStrike" baseline="0" dirty="0">
-                <a:latin typeface="NimbusRomNo9L-Regu"/>
-              </a:rPr>
-              <a:t>提出了</a:t>
-            </a:r>
-            <a:r>
-              <a:rPr lang="en-US" altLang="zh-CN" sz="1200" kern="1200" dirty="0">
-                <a:solidFill>
-                  <a:schemeClr val="tx1"/>
-                </a:solidFill>
-                <a:effectLst/>
-                <a:latin typeface="+mn-lt"/>
-                <a:ea typeface="+mn-ea"/>
-                <a:cs typeface="+mn-cs"/>
-              </a:rPr>
-              <a:t> ECO-EXO </a:t>
-            </a:r>
-            <a:r>
-              <a:rPr lang="zh-CN" altLang="zh-CN" sz="1200" kern="1200" dirty="0">
-                <a:solidFill>
-                  <a:schemeClr val="tx1"/>
-                </a:solidFill>
-                <a:effectLst/>
-                <a:latin typeface="+mn-lt"/>
-                <a:ea typeface="+mn-ea"/>
-                <a:cs typeface="+mn-cs"/>
-              </a:rPr>
-              <a:t>技术，该技术也将两个用户之间的自由度分开，根据用户在虚拟场景中的初始位置与被操纵对象的距离，为不同的 用户分配不同的操纵。如距离远的用户执行平移，而距离近的用户执行旋转。</a:t>
-            </a:r>
-            <a:endParaRPr lang="en-US" altLang="zh-CN" sz="1200" b="0" i="0" u="none" strike="noStrike" baseline="0" dirty="0">
-              <a:latin typeface="NimbusRomNo9L-Regu"/>
-            </a:endParaRPr>
-          </a:p>
-          <a:p>
-            <a:pPr marL="0" marR="0" lvl="0" indent="0" algn="l" defTabSz="2099945" rtl="0" eaLnBrk="1" fontAlgn="auto" latinLnBrk="0" hangingPunct="1">
-              <a:lnSpc>
-                <a:spcPct val="100000"/>
-              </a:lnSpc>
-              <a:spcBef>
-                <a:spcPts val="0"/>
-              </a:spcBef>
-              <a:spcAft>
-                <a:spcPts val="0"/>
-              </a:spcAft>
-              <a:buClrTx/>
-              <a:buSzTx/>
-              <a:buFontTx/>
-              <a:buNone/>
-              <a:defRPr/>
-            </a:pPr>
-            <a:endParaRPr lang="en-US" altLang="zh-CN" dirty="0"/>
-          </a:p>
-          <a:p>
-            <a:pPr marL="0" marR="0" lvl="0" indent="0" algn="l" defTabSz="2099945" rtl="0" eaLnBrk="1" fontAlgn="auto" latinLnBrk="0" hangingPunct="1">
-              <a:lnSpc>
-                <a:spcPct val="100000"/>
-              </a:lnSpc>
-              <a:spcBef>
-                <a:spcPts val="0"/>
-              </a:spcBef>
-              <a:spcAft>
-                <a:spcPts val="0"/>
-              </a:spcAft>
-              <a:buClrTx/>
-              <a:buSzTx/>
-              <a:buFontTx/>
-              <a:buNone/>
-              <a:defRPr/>
-            </a:pPr>
-            <a:r>
-              <a:rPr lang="zh-CN" altLang="en-US" dirty="0"/>
-              <a:t>然而这些方法都没有考虑根据用户的视点质量和</a:t>
-            </a:r>
-            <a:r>
-              <a:rPr lang="en-US" altLang="zh-CN" dirty="0" err="1"/>
-              <a:t>obect</a:t>
-            </a:r>
-            <a:r>
-              <a:rPr lang="en-US" altLang="zh-CN" dirty="0"/>
-              <a:t>-target</a:t>
-            </a:r>
-            <a:r>
-              <a:rPr lang="zh-CN" altLang="en-US" dirty="0"/>
-              <a:t>视觉度量自适应分离操纵，可能会影响对象操纵的效率和精度。</a:t>
-            </a:r>
-            <a:endParaRPr lang="en-US" altLang="zh-CN" dirty="0"/>
-          </a:p>
           <a:p>
             <a:endParaRPr lang="zh-CN" altLang="en-US" dirty="0"/>
           </a:p>
@@ -3813,7 +2824,7 @@
           <a:lstStyle/>
           <a:p>
             <a:fld id="{F19A2EC9-282E-4C73-9090-5E35C3C5DF68}" type="slidenum">
-              <a:rPr lang="zh-CN" altLang="en-US" smtClean="0"/>
+              <a:rPr lang="zh-CN" altLang="en-US"/>
               <a:t>9</a:t>
             </a:fld>
             <a:endParaRPr lang="en-US" altLang="zh-CN"/>
@@ -3823,7 +2834,7 @@
     </p:spTree>
     <p:extLst>
       <p:ext uri="{BB962C8B-B14F-4D97-AF65-F5344CB8AC3E}">
-        <p14:creationId xmlns:p14="http://schemas.microsoft.com/office/powerpoint/2010/main" val="344599255"/>
+        <p14:creationId xmlns:p14="http://schemas.microsoft.com/office/powerpoint/2010/main" val="193219092"/>
       </p:ext>
     </p:extLst>
   </p:cSld>
@@ -3857,19 +2868,19 @@
             <a:spLocks noGrp="1" noRot="1" noChangeAspect="1"/>
           </p:cNvSpPr>
           <p:nvPr>
-            <p:ph type="sldImg"/>
+            <p:ph type="sldImg" idx="2"/>
           </p:nvPr>
         </p:nvSpPr>
         <p:spPr/>
       </p:sp>
       <p:sp>
         <p:nvSpPr>
-          <p:cNvPr id="3" name="备注占位符 2"/>
+          <p:cNvPr id="3" name="文本占位符 2"/>
           <p:cNvSpPr>
             <a:spLocks noGrp="1"/>
           </p:cNvSpPr>
           <p:nvPr>
-            <p:ph type="body" idx="1"/>
+            <p:ph type="body" idx="3"/>
           </p:nvPr>
         </p:nvSpPr>
         <p:spPr/>
@@ -3888,7 +2899,7 @@
             <a:spLocks noGrp="1"/>
           </p:cNvSpPr>
           <p:nvPr>
-            <p:ph type="hdr" sz="quarter" idx="10"/>
+            <p:ph type="hdr" sz="quarter"/>
           </p:nvPr>
         </p:nvSpPr>
         <p:spPr/>
@@ -3914,7 +2925,7 @@
             <a:spLocks noGrp="1"/>
           </p:cNvSpPr>
           <p:nvPr>
-            <p:ph type="sldNum" sz="quarter" idx="11"/>
+            <p:ph type="sldNum" sz="quarter" idx="5"/>
           </p:nvPr>
         </p:nvSpPr>
         <p:spPr/>
@@ -3923,7 +2934,7 @@
           <a:lstStyle/>
           <a:p>
             <a:fld id="{F19A2EC9-282E-4C73-9090-5E35C3C5DF68}" type="slidenum">
-              <a:rPr lang="zh-CN" altLang="en-US" smtClean="0"/>
+              <a:rPr lang="zh-CN" altLang="en-US"/>
               <a:t>10</a:t>
             </a:fld>
             <a:endParaRPr lang="en-US" altLang="zh-CN"/>
@@ -3931,6 +2942,11 @@
         </p:txBody>
       </p:sp>
     </p:spTree>
+    <p:extLst>
+      <p:ext uri="{BB962C8B-B14F-4D97-AF65-F5344CB8AC3E}">
+        <p14:creationId xmlns:p14="http://schemas.microsoft.com/office/powerpoint/2010/main" val="3221682144"/>
+      </p:ext>
+    </p:extLst>
   </p:cSld>
   <p:clrMapOvr>
     <a:masterClrMapping/>
@@ -10673,535 +9689,6 @@
       </p:grpSpPr>
       <p:sp>
         <p:nvSpPr>
-          <p:cNvPr id="8" name="标题 7"/>
-          <p:cNvSpPr>
-            <a:spLocks noGrp="1"/>
-          </p:cNvSpPr>
-          <p:nvPr>
-            <p:ph type="title"/>
-          </p:nvPr>
-        </p:nvSpPr>
-        <p:spPr/>
-        <p:txBody>
-          <a:bodyPr/>
-          <a:lstStyle/>
-          <a:p>
-            <a:r>
-              <a:rPr lang="zh-CN" altLang="en-US" dirty="0"/>
-              <a:t>汇报提纲</a:t>
-            </a:r>
-          </a:p>
-        </p:txBody>
-      </p:sp>
-      <p:sp>
-        <p:nvSpPr>
-          <p:cNvPr id="9" name="Rectangle 26"/>
-          <p:cNvSpPr txBox="1">
-            <a:spLocks noChangeArrowheads="1"/>
-          </p:cNvSpPr>
-          <p:nvPr/>
-        </p:nvSpPr>
-        <p:spPr bwMode="auto">
-          <a:xfrm>
-            <a:off x="3719830" y="1196340"/>
-            <a:ext cx="5699125" cy="4464685"/>
-          </a:xfrm>
-          <a:prstGeom prst="rect">
-            <a:avLst/>
-          </a:prstGeom>
-          <a:noFill/>
-          <a:ln w="9525">
-            <a:noFill/>
-            <a:miter lim="800000"/>
-          </a:ln>
-          <a:effectLst/>
-        </p:spPr>
-        <p:txBody>
-          <a:bodyPr/>
-          <a:lstStyle>
-            <a:lvl1pPr marL="533400" indent="-533400" eaLnBrk="0" hangingPunct="0">
-              <a:defRPr>
-                <a:solidFill>
-                  <a:schemeClr val="tx1"/>
-                </a:solidFill>
-                <a:latin typeface="Arial" panose="020B0604020202020204" pitchFamily="34" charset="0"/>
-                <a:ea typeface="宋体" panose="02010600030101010101" pitchFamily="2" charset="-122"/>
-              </a:defRPr>
-            </a:lvl1pPr>
-            <a:lvl2pPr marL="742950" indent="-285750" eaLnBrk="0" hangingPunct="0">
-              <a:defRPr>
-                <a:solidFill>
-                  <a:schemeClr val="tx1"/>
-                </a:solidFill>
-                <a:latin typeface="Arial" panose="020B0604020202020204" pitchFamily="34" charset="0"/>
-                <a:ea typeface="宋体" panose="02010600030101010101" pitchFamily="2" charset="-122"/>
-              </a:defRPr>
-            </a:lvl2pPr>
-            <a:lvl3pPr marL="1143000" indent="-228600" eaLnBrk="0" hangingPunct="0">
-              <a:defRPr>
-                <a:solidFill>
-                  <a:schemeClr val="tx1"/>
-                </a:solidFill>
-                <a:latin typeface="Arial" panose="020B0604020202020204" pitchFamily="34" charset="0"/>
-                <a:ea typeface="宋体" panose="02010600030101010101" pitchFamily="2" charset="-122"/>
-              </a:defRPr>
-            </a:lvl3pPr>
-            <a:lvl4pPr marL="1600200" indent="-228600" eaLnBrk="0" hangingPunct="0">
-              <a:defRPr>
-                <a:solidFill>
-                  <a:schemeClr val="tx1"/>
-                </a:solidFill>
-                <a:latin typeface="Arial" panose="020B0604020202020204" pitchFamily="34" charset="0"/>
-                <a:ea typeface="宋体" panose="02010600030101010101" pitchFamily="2" charset="-122"/>
-              </a:defRPr>
-            </a:lvl4pPr>
-            <a:lvl5pPr marL="2057400" indent="-228600" eaLnBrk="0" hangingPunct="0">
-              <a:defRPr>
-                <a:solidFill>
-                  <a:schemeClr val="tx1"/>
-                </a:solidFill>
-                <a:latin typeface="Arial" panose="020B0604020202020204" pitchFamily="34" charset="0"/>
-                <a:ea typeface="宋体" panose="02010600030101010101" pitchFamily="2" charset="-122"/>
-              </a:defRPr>
-            </a:lvl5pPr>
-            <a:lvl6pPr marL="2514600" indent="-228600" eaLnBrk="0" fontAlgn="base" hangingPunct="0">
-              <a:spcBef>
-                <a:spcPct val="0"/>
-              </a:spcBef>
-              <a:spcAft>
-                <a:spcPct val="0"/>
-              </a:spcAft>
-              <a:defRPr>
-                <a:solidFill>
-                  <a:schemeClr val="tx1"/>
-                </a:solidFill>
-                <a:latin typeface="Arial" panose="020B0604020202020204" pitchFamily="34" charset="0"/>
-                <a:ea typeface="宋体" panose="02010600030101010101" pitchFamily="2" charset="-122"/>
-              </a:defRPr>
-            </a:lvl6pPr>
-            <a:lvl7pPr marL="2971800" indent="-228600" eaLnBrk="0" fontAlgn="base" hangingPunct="0">
-              <a:spcBef>
-                <a:spcPct val="0"/>
-              </a:spcBef>
-              <a:spcAft>
-                <a:spcPct val="0"/>
-              </a:spcAft>
-              <a:defRPr>
-                <a:solidFill>
-                  <a:schemeClr val="tx1"/>
-                </a:solidFill>
-                <a:latin typeface="Arial" panose="020B0604020202020204" pitchFamily="34" charset="0"/>
-                <a:ea typeface="宋体" panose="02010600030101010101" pitchFamily="2" charset="-122"/>
-              </a:defRPr>
-            </a:lvl7pPr>
-            <a:lvl8pPr marL="3429000" indent="-228600" eaLnBrk="0" fontAlgn="base" hangingPunct="0">
-              <a:spcBef>
-                <a:spcPct val="0"/>
-              </a:spcBef>
-              <a:spcAft>
-                <a:spcPct val="0"/>
-              </a:spcAft>
-              <a:defRPr>
-                <a:solidFill>
-                  <a:schemeClr val="tx1"/>
-                </a:solidFill>
-                <a:latin typeface="Arial" panose="020B0604020202020204" pitchFamily="34" charset="0"/>
-                <a:ea typeface="宋体" panose="02010600030101010101" pitchFamily="2" charset="-122"/>
-              </a:defRPr>
-            </a:lvl8pPr>
-            <a:lvl9pPr marL="3886200" indent="-228600" eaLnBrk="0" fontAlgn="base" hangingPunct="0">
-              <a:spcBef>
-                <a:spcPct val="0"/>
-              </a:spcBef>
-              <a:spcAft>
-                <a:spcPct val="0"/>
-              </a:spcAft>
-              <a:defRPr>
-                <a:solidFill>
-                  <a:schemeClr val="tx1"/>
-                </a:solidFill>
-                <a:latin typeface="Arial" panose="020B0604020202020204" pitchFamily="34" charset="0"/>
-                <a:ea typeface="宋体" panose="02010600030101010101" pitchFamily="2" charset="-122"/>
-              </a:defRPr>
-            </a:lvl9pPr>
-          </a:lstStyle>
-          <a:p>
-            <a:pPr marL="0" marR="0" lvl="0" indent="0" defTabSz="914400" rtl="0" eaLnBrk="0" fontAlgn="base" latinLnBrk="0" hangingPunct="0">
-              <a:lnSpc>
-                <a:spcPct val="150000"/>
-              </a:lnSpc>
-              <a:spcBef>
-                <a:spcPct val="0"/>
-              </a:spcBef>
-              <a:spcAft>
-                <a:spcPct val="50000"/>
-              </a:spcAft>
-              <a:buClrTx/>
-              <a:buSzTx/>
-              <a:buFontTx/>
-              <a:buNone/>
-              <a:defRPr/>
-            </a:pPr>
-            <a:r>
-              <a:rPr kumimoji="0" lang="zh-CN" altLang="en-US" sz="3800" b="1" i="0" u="none" strike="noStrike" kern="1200" cap="none" spc="0" normalizeH="0" baseline="0" noProof="0" dirty="0">
-                <a:ln>
-                  <a:noFill/>
-                </a:ln>
-                <a:effectLst/>
-                <a:uLnTx/>
-                <a:uFillTx/>
-                <a:latin typeface="Times New Roman" panose="02020603050405020304" pitchFamily="18" charset="0"/>
-                <a:ea typeface="黑体" panose="02010609060101010101" pitchFamily="2" charset="-122"/>
-                <a:cs typeface="+mn-cs"/>
-              </a:rPr>
-              <a:t>一、研究背景</a:t>
-            </a:r>
-            <a:endParaRPr kumimoji="0" lang="en-US" altLang="zh-CN" sz="3800" b="1" i="0" u="none" strike="noStrike" kern="1200" cap="none" spc="0" normalizeH="0" baseline="0" noProof="0" dirty="0">
-              <a:ln>
-                <a:noFill/>
-              </a:ln>
-              <a:effectLst/>
-              <a:uLnTx/>
-              <a:uFillTx/>
-              <a:latin typeface="Times New Roman" panose="02020603050405020304" pitchFamily="18" charset="0"/>
-              <a:ea typeface="黑体" panose="02010609060101010101" pitchFamily="2" charset="-122"/>
-              <a:cs typeface="+mn-cs"/>
-            </a:endParaRPr>
-          </a:p>
-          <a:p>
-            <a:pPr marL="0" indent="0">
-              <a:lnSpc>
-                <a:spcPct val="150000"/>
-              </a:lnSpc>
-              <a:spcAft>
-                <a:spcPct val="50000"/>
-              </a:spcAft>
-              <a:defRPr/>
-            </a:pPr>
-            <a:r>
-              <a:rPr lang="zh-CN" altLang="en-US" sz="3800" b="1" dirty="0">
-                <a:solidFill>
-                  <a:srgbClr val="000000"/>
-                </a:solidFill>
-                <a:latin typeface="Times New Roman" panose="02020603050405020304" pitchFamily="18" charset="0"/>
-                <a:ea typeface="黑体" panose="02010609060101010101" pitchFamily="2" charset="-122"/>
-              </a:rPr>
-              <a:t>二、研究现状</a:t>
-            </a:r>
-            <a:endParaRPr lang="en-US" altLang="zh-CN" sz="3800" b="1" dirty="0">
-              <a:solidFill>
-                <a:srgbClr val="000000"/>
-              </a:solidFill>
-              <a:latin typeface="Times New Roman" panose="02020603050405020304" pitchFamily="18" charset="0"/>
-              <a:ea typeface="黑体" panose="02010609060101010101" pitchFamily="2" charset="-122"/>
-            </a:endParaRPr>
-          </a:p>
-          <a:p>
-            <a:pPr marL="0" indent="0">
-              <a:lnSpc>
-                <a:spcPct val="150000"/>
-              </a:lnSpc>
-              <a:spcAft>
-                <a:spcPct val="50000"/>
-              </a:spcAft>
-              <a:defRPr/>
-            </a:pPr>
-            <a:r>
-              <a:rPr lang="zh-CN" altLang="en-US" sz="3800" b="1" dirty="0">
-                <a:solidFill>
-                  <a:schemeClr val="accent3"/>
-                </a:solidFill>
-                <a:latin typeface="Times New Roman" panose="02020603050405020304" pitchFamily="18" charset="0"/>
-                <a:ea typeface="黑体" panose="02010609060101010101" pitchFamily="2" charset="-122"/>
-              </a:rPr>
-              <a:t>三、研究内容与技术路线</a:t>
-            </a:r>
-            <a:endParaRPr lang="en-US" altLang="zh-CN" sz="3800" b="1" dirty="0">
-              <a:solidFill>
-                <a:schemeClr val="accent3"/>
-              </a:solidFill>
-              <a:latin typeface="Times New Roman" panose="02020603050405020304" pitchFamily="18" charset="0"/>
-              <a:ea typeface="黑体" panose="02010609060101010101" pitchFamily="2" charset="-122"/>
-            </a:endParaRPr>
-          </a:p>
-          <a:p>
-            <a:pPr marL="0" lvl="0" indent="0">
-              <a:lnSpc>
-                <a:spcPct val="150000"/>
-              </a:lnSpc>
-              <a:spcAft>
-                <a:spcPct val="50000"/>
-              </a:spcAft>
-              <a:defRPr/>
-            </a:pPr>
-            <a:r>
-              <a:rPr lang="zh-CN" altLang="en-US" sz="3800" b="1" dirty="0">
-                <a:solidFill>
-                  <a:srgbClr val="000000"/>
-                </a:solidFill>
-                <a:latin typeface="Times New Roman" panose="02020603050405020304" pitchFamily="18" charset="0"/>
-                <a:ea typeface="黑体" panose="02010609060101010101" pitchFamily="2" charset="-122"/>
-              </a:rPr>
-              <a:t>四、研究计划</a:t>
-            </a:r>
-          </a:p>
-        </p:txBody>
-      </p:sp>
-    </p:spTree>
-  </p:cSld>
-  <p:clrMapOvr>
-    <a:masterClrMapping/>
-  </p:clrMapOvr>
-</p:sld>
-</file>
-
-<file path=ppt/slides/slide11.xml><?xml version="1.0" encoding="utf-8"?>
-<p:sld xmlns:a="http://schemas.openxmlformats.org/drawingml/2006/main" xmlns:r="http://schemas.openxmlformats.org/officeDocument/2006/relationships" xmlns:p="http://schemas.openxmlformats.org/presentationml/2006/main">
-  <p:cSld>
-    <p:spTree>
-      <p:nvGrpSpPr>
-        <p:cNvPr id="1" name=""/>
-        <p:cNvGrpSpPr/>
-        <p:nvPr/>
-      </p:nvGrpSpPr>
-      <p:grpSpPr>
-        <a:xfrm>
-          <a:off x="0" y="0"/>
-          <a:ext cx="0" cy="0"/>
-          <a:chOff x="0" y="0"/>
-          <a:chExt cx="0" cy="0"/>
-        </a:xfrm>
-      </p:grpSpPr>
-      <p:sp>
-        <p:nvSpPr>
-          <p:cNvPr id="2" name="内容占位符 1"/>
-          <p:cNvSpPr>
-            <a:spLocks noGrp="1"/>
-          </p:cNvSpPr>
-          <p:nvPr>
-            <p:ph idx="1"/>
-          </p:nvPr>
-        </p:nvSpPr>
-        <p:spPr>
-          <a:xfrm>
-            <a:off x="336000" y="712800"/>
-            <a:ext cx="11520000" cy="5596520"/>
-          </a:xfrm>
-        </p:spPr>
-        <p:txBody>
-          <a:bodyPr/>
-          <a:lstStyle/>
-          <a:p>
-            <a:r>
-              <a:rPr lang="zh-CN" altLang="en-US" dirty="0"/>
-              <a:t>研究内容</a:t>
-            </a:r>
-            <a:endParaRPr lang="en-US" altLang="zh-CN" dirty="0"/>
-          </a:p>
-          <a:p>
-            <a:pPr marL="0" indent="0">
-              <a:lnSpc>
-                <a:spcPct val="150000"/>
-              </a:lnSpc>
-              <a:buNone/>
-            </a:pPr>
-            <a:endParaRPr lang="en-US" altLang="zh-CN" dirty="0"/>
-          </a:p>
-        </p:txBody>
-      </p:sp>
-      <p:sp>
-        <p:nvSpPr>
-          <p:cNvPr id="3" name="标题 2"/>
-          <p:cNvSpPr>
-            <a:spLocks noGrp="1"/>
-          </p:cNvSpPr>
-          <p:nvPr>
-            <p:ph type="title"/>
-          </p:nvPr>
-        </p:nvSpPr>
-        <p:spPr/>
-        <p:txBody>
-          <a:bodyPr/>
-          <a:lstStyle/>
-          <a:p>
-            <a:r>
-              <a:rPr lang="zh-CN" altLang="en-US" dirty="0"/>
-              <a:t>三、研究内容</a:t>
-            </a:r>
-          </a:p>
-        </p:txBody>
-      </p:sp>
-      <p:sp>
-        <p:nvSpPr>
-          <p:cNvPr id="10" name="TextBox 9">
-            <a:extLst>
-              <a:ext uri="{FF2B5EF4-FFF2-40B4-BE49-F238E27FC236}">
-                <a16:creationId xmlns:a16="http://schemas.microsoft.com/office/drawing/2014/main" id="{4EC68388-4D3D-D1C4-8D0C-A6CF9B345776}"/>
-              </a:ext>
-            </a:extLst>
-          </p:cNvPr>
-          <p:cNvSpPr txBox="1"/>
-          <p:nvPr/>
-        </p:nvSpPr>
-        <p:spPr>
-          <a:xfrm>
-            <a:off x="1019436" y="1772816"/>
-            <a:ext cx="10153128" cy="4105864"/>
-          </a:xfrm>
-          <a:prstGeom prst="rect">
-            <a:avLst/>
-          </a:prstGeom>
-          <a:solidFill>
-            <a:schemeClr val="accent5">
-              <a:lumMod val="20000"/>
-              <a:lumOff val="80000"/>
-            </a:schemeClr>
-          </a:solidFill>
-        </p:spPr>
-        <p:txBody>
-          <a:bodyPr wrap="square" lIns="360000" tIns="180000" rIns="360000" bIns="360000">
-            <a:spAutoFit/>
-          </a:bodyPr>
-          <a:lstStyle/>
-          <a:p>
-            <a:pPr marL="514350" indent="-514350" algn="just">
-              <a:lnSpc>
-                <a:spcPct val="200000"/>
-              </a:lnSpc>
-              <a:buFont typeface="+mj-lt"/>
-              <a:buAutoNum type="romanLcPeriod"/>
-            </a:pPr>
-            <a:r>
-              <a:rPr lang="zh-CN" sz="2400" kern="100" dirty="0">
-                <a:effectLst/>
-                <a:latin typeface="+mn-ea"/>
-                <a:ea typeface="+mn-ea"/>
-                <a:cs typeface="SimSun" panose="02010600030101010101" pitchFamily="2" charset="-122"/>
-              </a:rPr>
-              <a:t>确定针对操纵速度、准确度和使用负担的评估指标；</a:t>
-            </a:r>
-            <a:endParaRPr lang="en-US" altLang="zh-CN" sz="2400" kern="100" dirty="0">
-              <a:latin typeface="+mn-ea"/>
-              <a:ea typeface="+mn-ea"/>
-              <a:cs typeface="SimSun" panose="02010600030101010101" pitchFamily="2" charset="-122"/>
-            </a:endParaRPr>
-          </a:p>
-          <a:p>
-            <a:pPr marL="514350" indent="-514350" algn="just">
-              <a:lnSpc>
-                <a:spcPct val="200000"/>
-              </a:lnSpc>
-              <a:buFont typeface="+mj-lt"/>
-              <a:buAutoNum type="romanLcPeriod"/>
-            </a:pPr>
-            <a:r>
-              <a:rPr lang="zh-CN" sz="2400" kern="100" dirty="0">
-                <a:effectLst/>
-                <a:latin typeface="+mn-ea"/>
-                <a:ea typeface="+mn-ea"/>
-                <a:cs typeface="SimSun" panose="02010600030101010101" pitchFamily="2" charset="-122"/>
-              </a:rPr>
-              <a:t>探索比较多种头眼协同交互方法；</a:t>
-            </a:r>
-            <a:endParaRPr lang="en-US" altLang="zh-CN" sz="2400" kern="100" dirty="0">
-              <a:latin typeface="+mn-ea"/>
-              <a:ea typeface="+mn-ea"/>
-              <a:cs typeface="SimSun" panose="02010600030101010101" pitchFamily="2" charset="-122"/>
-            </a:endParaRPr>
-          </a:p>
-          <a:p>
-            <a:pPr marL="514350" indent="-514350" algn="just">
-              <a:lnSpc>
-                <a:spcPct val="200000"/>
-              </a:lnSpc>
-              <a:buFont typeface="+mj-lt"/>
-              <a:buAutoNum type="romanLcPeriod"/>
-            </a:pPr>
-            <a:r>
-              <a:rPr lang="zh-CN" sz="2400" kern="100" dirty="0">
-                <a:effectLst/>
-                <a:latin typeface="+mn-ea"/>
-                <a:ea typeface="+mn-ea"/>
-                <a:cs typeface="SimSun" panose="02010600030101010101" pitchFamily="2" charset="-122"/>
-              </a:rPr>
-              <a:t>确定一套高效易用的基于头眼协同的虚拟现实对象操纵方法，支持操纵对象位移、旋转和缩放；</a:t>
-            </a:r>
-            <a:endParaRPr lang="en-US" altLang="zh-CN" sz="2400" kern="100" dirty="0">
-              <a:latin typeface="+mn-ea"/>
-              <a:ea typeface="+mn-ea"/>
-              <a:cs typeface="SimSun" panose="02010600030101010101" pitchFamily="2" charset="-122"/>
-            </a:endParaRPr>
-          </a:p>
-          <a:p>
-            <a:pPr marL="514350" indent="-514350" algn="just">
-              <a:lnSpc>
-                <a:spcPct val="200000"/>
-              </a:lnSpc>
-              <a:buFont typeface="+mj-lt"/>
-              <a:buAutoNum type="romanLcPeriod"/>
-            </a:pPr>
-            <a:r>
-              <a:rPr lang="zh-CN" sz="2400" kern="100" dirty="0">
-                <a:effectLst/>
-                <a:latin typeface="+mn-ea"/>
-                <a:ea typeface="+mn-ea"/>
-                <a:cs typeface="SimSun" panose="02010600030101010101" pitchFamily="2" charset="-122"/>
-              </a:rPr>
-              <a:t>根据评估指标对比目前国际一流方法（</a:t>
-            </a:r>
-            <a:r>
-              <a:rPr lang="en-US" sz="2400" kern="100" dirty="0">
-                <a:effectLst/>
-                <a:latin typeface="+mn-ea"/>
-                <a:ea typeface="+mn-ea"/>
-                <a:cs typeface="SimSun" panose="02010600030101010101" pitchFamily="2" charset="-122"/>
-              </a:rPr>
-              <a:t>baseline</a:t>
-            </a:r>
-            <a:r>
-              <a:rPr lang="zh-CN" sz="2400" kern="100" dirty="0">
-                <a:effectLst/>
-                <a:latin typeface="+mn-ea"/>
-                <a:ea typeface="+mn-ea"/>
-                <a:cs typeface="SimSun" panose="02010600030101010101" pitchFamily="2" charset="-122"/>
-              </a:rPr>
-              <a:t>）并作结果分析。</a:t>
-            </a:r>
-            <a:endParaRPr lang="en-CN" kern="100" dirty="0">
-              <a:effectLst/>
-              <a:latin typeface="+mn-ea"/>
-              <a:ea typeface="+mn-ea"/>
-            </a:endParaRPr>
-          </a:p>
-        </p:txBody>
-      </p:sp>
-    </p:spTree>
-  </p:cSld>
-  <p:clrMapOvr>
-    <a:masterClrMapping/>
-  </p:clrMapOvr>
-</p:sld>
-</file>
-
-<file path=ppt/slides/slide12.xml><?xml version="1.0" encoding="utf-8"?>
-<p:sld xmlns:a="http://schemas.openxmlformats.org/drawingml/2006/main" xmlns:r="http://schemas.openxmlformats.org/officeDocument/2006/relationships" xmlns:p="http://schemas.openxmlformats.org/presentationml/2006/main">
-  <p:cSld>
-    <p:spTree>
-      <p:nvGrpSpPr>
-        <p:cNvPr id="1" name=""/>
-        <p:cNvGrpSpPr/>
-        <p:nvPr/>
-      </p:nvGrpSpPr>
-      <p:grpSpPr>
-        <a:xfrm>
-          <a:off x="0" y="0"/>
-          <a:ext cx="0" cy="0"/>
-          <a:chOff x="0" y="0"/>
-          <a:chExt cx="0" cy="0"/>
-        </a:xfrm>
-      </p:grpSpPr>
-      <p:sp>
-        <p:nvSpPr>
           <p:cNvPr id="2" name="内容占位符 1"/>
           <p:cNvSpPr>
             <a:spLocks noGrp="1"/>
@@ -11222,7 +9709,7 @@
           <a:p>
             <a:r>
               <a:rPr lang="zh-CN" altLang="en-US" dirty="0"/>
-              <a:t>研究内容</a:t>
+              <a:t>研究内容一：探究头眼协同组合</a:t>
             </a:r>
             <a:endParaRPr lang="en-US" altLang="zh-CN" dirty="0"/>
           </a:p>
@@ -11900,7 +10387,7 @@
 </p:sld>
 </file>
 
-<file path=ppt/slides/slide13.xml><?xml version="1.0" encoding="utf-8"?>
+<file path=ppt/slides/slide11.xml><?xml version="1.0" encoding="utf-8"?>
 <p:sld xmlns:a="http://schemas.openxmlformats.org/drawingml/2006/main" xmlns:r="http://schemas.openxmlformats.org/officeDocument/2006/relationships" xmlns:p="http://schemas.openxmlformats.org/presentationml/2006/main">
   <p:cSld>
     <p:spTree>
@@ -11939,7 +10426,7 @@
           <a:p>
             <a:r>
               <a:rPr lang="zh-CN" altLang="en-US" dirty="0"/>
-              <a:t>研究内容</a:t>
+              <a:t>研究内容二：具体开发实现</a:t>
             </a:r>
             <a:endParaRPr lang="en-US" altLang="zh-CN" dirty="0"/>
           </a:p>
@@ -12287,8 +10774,8 @@
             </p:sp>
           </p:grpSp>
         </p:grpSp>
-        <mc:AlternateContent xmlns:mc="http://schemas.openxmlformats.org/markup-compatibility/2006">
-          <mc:Choice xmlns:a14="http://schemas.microsoft.com/office/drawing/2010/main" Requires="a14">
+        <mc:AlternateContent xmlns:mc="http://schemas.openxmlformats.org/markup-compatibility/2006" xmlns:a14="http://schemas.microsoft.com/office/drawing/2010/main">
+          <mc:Choice Requires="a14">
             <p:sp>
               <p:nvSpPr>
                 <p:cNvPr id="16" name="TextBox 15">
@@ -12829,7 +11316,7 @@
               </p:txBody>
             </p:sp>
           </mc:Choice>
-          <mc:Fallback>
+          <mc:Fallback xmlns="">
             <p:sp>
               <p:nvSpPr>
                 <p:cNvPr id="16" name="TextBox 15">
@@ -12888,7 +11375,7 @@
 </p:sld>
 </file>
 
-<file path=ppt/slides/slide14.xml><?xml version="1.0" encoding="utf-8"?>
+<file path=ppt/slides/slide12.xml><?xml version="1.0" encoding="utf-8"?>
 <p:sld xmlns:a="http://schemas.openxmlformats.org/drawingml/2006/main" xmlns:r="http://schemas.openxmlformats.org/officeDocument/2006/relationships" xmlns:p="http://schemas.openxmlformats.org/presentationml/2006/main">
   <p:cSld>
     <p:spTree>
@@ -12927,7 +11414,7 @@
           <a:p>
             <a:r>
               <a:rPr lang="zh-CN" altLang="en-US" dirty="0"/>
-              <a:t>研究内容</a:t>
+              <a:t>研究内容二：具体开发实现</a:t>
             </a:r>
             <a:endParaRPr lang="en-US" altLang="zh-CN" dirty="0"/>
           </a:p>
@@ -13013,7 +11500,7 @@
 </p:sld>
 </file>
 
-<file path=ppt/slides/slide15.xml><?xml version="1.0" encoding="utf-8"?>
+<file path=ppt/slides/slide13.xml><?xml version="1.0" encoding="utf-8"?>
 <p:sld xmlns:a="http://schemas.openxmlformats.org/drawingml/2006/main" xmlns:r="http://schemas.openxmlformats.org/officeDocument/2006/relationships" xmlns:p="http://schemas.openxmlformats.org/presentationml/2006/main">
   <p:cSld>
     <p:spTree>
@@ -13314,7 +11801,7 @@
 </p:sld>
 </file>
 
-<file path=ppt/slides/slide16.xml><?xml version="1.0" encoding="utf-8"?>
+<file path=ppt/slides/slide14.xml><?xml version="1.0" encoding="utf-8"?>
 <p:sld xmlns:a="http://schemas.openxmlformats.org/drawingml/2006/main" xmlns:r="http://schemas.openxmlformats.org/officeDocument/2006/relationships" xmlns:p="http://schemas.openxmlformats.org/presentationml/2006/main">
   <p:cSld>
     <p:spTree>
@@ -13767,7 +12254,7 @@
 </p:sld>
 </file>
 
-<file path=ppt/slides/slide17.xml><?xml version="1.0" encoding="utf-8"?>
+<file path=ppt/slides/slide15.xml><?xml version="1.0" encoding="utf-8"?>
 <p:sld xmlns:a="http://schemas.openxmlformats.org/drawingml/2006/main" xmlns:r="http://schemas.openxmlformats.org/officeDocument/2006/relationships" xmlns:p="http://schemas.openxmlformats.org/presentationml/2006/main">
   <p:cSld>
     <p:spTree>
@@ -14184,7 +12671,7 @@
         <p:spPr>
           <a:xfrm>
             <a:off x="336000" y="712800"/>
-            <a:ext cx="11520000" cy="3436280"/>
+            <a:ext cx="11520000" cy="547675"/>
           </a:xfrm>
         </p:spPr>
         <p:txBody>
@@ -14475,7 +12962,7 @@
         <p:spPr>
           <a:xfrm>
             <a:off x="479425" y="1260475"/>
-            <a:ext cx="10657135" cy="3075009"/>
+            <a:ext cx="6552679" cy="3265574"/>
           </a:xfrm>
           <a:prstGeom prst="rect">
             <a:avLst/>
@@ -14504,13 +12991,13 @@
               <a:buAutoNum type="arabicPeriod"/>
             </a:pPr>
             <a:r>
-              <a:rPr lang="zh-CN" altLang="en-US" sz="2200" dirty="0">
+              <a:rPr lang="zh-CN" altLang="en-US" sz="2000" dirty="0">
                 <a:latin typeface="+mn-lt"/>
                 <a:ea typeface="+mn-ea"/>
               </a:rPr>
-              <a:t>虚拟现实是预计增长潜力最大的高新技术之一，目前已经在影视娱乐、教研教学、设计辅助等领域颇有建树，拥有非常大的研究价值；</a:t>
-            </a:r>
-            <a:endParaRPr lang="en-US" altLang="zh-CN" sz="2200" dirty="0">
+              <a:t>虚拟现实是预计增长潜力最大的高新技术之一，然而虚拟现实技术在学界和工业界依旧留存着许多关键问题亟待解决；</a:t>
+            </a:r>
+            <a:endParaRPr lang="en-US" altLang="zh-CN" sz="2000" dirty="0">
               <a:latin typeface="+mn-lt"/>
               <a:ea typeface="+mn-ea"/>
             </a:endParaRPr>
@@ -14530,11 +13017,123 @@
               <a:buAutoNum type="arabicPeriod"/>
             </a:pPr>
             <a:r>
-              <a:rPr lang="zh-CN" altLang="en-US" sz="2200" dirty="0">
+              <a:rPr lang="zh-CN" altLang="en-US" sz="2000" dirty="0">
                 <a:latin typeface="+mn-lt"/>
                 <a:ea typeface="+mn-ea"/>
               </a:rPr>
-              <a:t>虚拟现实技术在学界和工业界依旧留存着许多关键问题亟待解决，比如在虚拟环境中对物体的操控和交互的准确度依旧不容乐观，无法兼顾速度、准确性、学习成本和使用压力，导致虚拟现实技术降低了在普通大众用户群体中的接受度和使用期望。</a:t>
+              <a:t>虚拟对象操纵是虚拟现实应用中的重要基础功能；</a:t>
+            </a:r>
+            <a:endParaRPr lang="en-US" altLang="zh-CN" sz="2000" dirty="0">
+              <a:latin typeface="+mn-lt"/>
+              <a:ea typeface="+mn-ea"/>
+            </a:endParaRPr>
+          </a:p>
+          <a:p>
+            <a:pPr marL="457200" indent="-457200" algn="just">
+              <a:lnSpc>
+                <a:spcPct val="150000"/>
+              </a:lnSpc>
+              <a:spcBef>
+                <a:spcPts val="0"/>
+              </a:spcBef>
+              <a:buClr>
+                <a:schemeClr val="tx1"/>
+              </a:buClr>
+              <a:buFont typeface="+mj-lt"/>
+              <a:buAutoNum type="arabicPeriod"/>
+            </a:pPr>
+            <a:r>
+              <a:rPr lang="zh-CN" altLang="en-US" sz="2000" dirty="0">
+                <a:latin typeface="+mn-lt"/>
+                <a:ea typeface="+mn-ea"/>
+              </a:rPr>
+              <a:t>目前虚拟现实技术中对对象的操纵方法无法兼顾速度、准确性、学习成本和使用压力，导致虚拟现实技术降低了在普通大众用户群体中的接受度和使用期望。</a:t>
+            </a:r>
+          </a:p>
+        </p:txBody>
+      </p:sp>
+      <p:pic>
+        <p:nvPicPr>
+          <p:cNvPr id="1026" name="Picture 2" descr="Use of Virtual Reality (VR) and Augmented Reality (AR) in the Automotive  Industry">
+            <a:extLst>
+              <a:ext uri="{FF2B5EF4-FFF2-40B4-BE49-F238E27FC236}">
+                <a16:creationId xmlns:a16="http://schemas.microsoft.com/office/drawing/2014/main" id="{E445CBA7-2BAB-2DF8-D959-3D739E7C7176}"/>
+              </a:ext>
+            </a:extLst>
+          </p:cNvPr>
+          <p:cNvPicPr>
+            <a:picLocks noChangeAspect="1" noChangeArrowheads="1"/>
+          </p:cNvPicPr>
+          <p:nvPr/>
+        </p:nvPicPr>
+        <p:blipFill rotWithShape="1">
+          <a:blip r:embed="rId4">
+            <a:extLst>
+              <a:ext uri="{28A0092B-C50C-407E-A947-70E740481C1C}">
+                <a14:useLocalDpi xmlns:a14="http://schemas.microsoft.com/office/drawing/2010/main" val="0"/>
+              </a:ext>
+            </a:extLst>
+          </a:blip>
+          <a:srcRect t="6951" b="6951"/>
+          <a:stretch/>
+        </p:blipFill>
+        <p:spPr bwMode="auto">
+          <a:xfrm>
+            <a:off x="7707593" y="1988840"/>
+            <a:ext cx="3861016" cy="1869913"/>
+          </a:xfrm>
+          <a:prstGeom prst="rect">
+            <a:avLst/>
+          </a:prstGeom>
+          <a:noFill/>
+          <a:extLst>
+            <a:ext uri="{909E8E84-426E-40DD-AFC4-6F175D3DCCD1}">
+              <a14:hiddenFill xmlns:a14="http://schemas.microsoft.com/office/drawing/2010/main">
+                <a:solidFill>
+                  <a:srgbClr val="FFFFFF"/>
+                </a:solidFill>
+              </a14:hiddenFill>
+            </a:ext>
+          </a:extLst>
+        </p:spPr>
+      </p:pic>
+      <p:sp>
+        <p:nvSpPr>
+          <p:cNvPr id="7" name="TextBox 6">
+            <a:extLst>
+              <a:ext uri="{FF2B5EF4-FFF2-40B4-BE49-F238E27FC236}">
+                <a16:creationId xmlns:a16="http://schemas.microsoft.com/office/drawing/2014/main" id="{0E3A941E-9920-8302-5B44-53FA5D9B880D}"/>
+              </a:ext>
+            </a:extLst>
+          </p:cNvPr>
+          <p:cNvSpPr txBox="1"/>
+          <p:nvPr/>
+        </p:nvSpPr>
+        <p:spPr>
+          <a:xfrm>
+            <a:off x="8197941" y="3894413"/>
+            <a:ext cx="2880320" cy="338554"/>
+          </a:xfrm>
+          <a:prstGeom prst="rect">
+            <a:avLst/>
+          </a:prstGeom>
+          <a:solidFill>
+            <a:schemeClr val="bg1"/>
+          </a:solidFill>
+        </p:spPr>
+        <p:txBody>
+          <a:bodyPr wrap="square" rtlCol="0">
+            <a:spAutoFit/>
+          </a:bodyPr>
+          <a:lstStyle/>
+          <a:p>
+            <a:pPr algn="ctr"/>
+            <a:r>
+              <a:rPr lang="en-CN" sz="1600" dirty="0">
+                <a:latin typeface="+mn-lt"/>
+                <a:ea typeface="+mn-ea"/>
+              </a:rPr>
+              <a:t>虚拟现实对象操纵</a:t>
             </a:r>
           </a:p>
         </p:txBody>
@@ -14878,7 +13477,7 @@
         <p:spPr>
           <a:xfrm>
             <a:off x="336000" y="712800"/>
-            <a:ext cx="11520000" cy="5596520"/>
+            <a:ext cx="11520000" cy="642937"/>
           </a:xfrm>
         </p:spPr>
         <p:txBody>
@@ -14886,13 +13485,22 @@
           <a:lstStyle/>
           <a:p>
             <a:r>
+              <a:rPr lang="zh-CN" altLang="en-CN" dirty="0"/>
+              <a:t>基于</a:t>
+            </a:r>
+            <a:r>
               <a:rPr lang="zh-CN" altLang="en-US" dirty="0"/>
-              <a:t>研究现状</a:t>
+              <a:t>手部运动（含手柄）的对象操纵方法（</a:t>
             </a:r>
             <a:r>
               <a:rPr lang="en-US" altLang="zh-CN" dirty="0"/>
-              <a:t>	</a:t>
-            </a:r>
+              <a:t>SOTA</a:t>
+            </a:r>
+            <a:r>
+              <a:rPr lang="zh-CN" altLang="en-US" dirty="0"/>
+              <a:t>）</a:t>
+            </a:r>
+            <a:endParaRPr lang="en-US" altLang="zh-CN" dirty="0"/>
           </a:p>
         </p:txBody>
       </p:sp>
@@ -14918,246 +13526,42 @@
           </a:p>
         </p:txBody>
       </p:sp>
-      <p:grpSp>
-        <p:nvGrpSpPr>
-          <p:cNvPr id="10" name="Group 9">
+      <p:pic>
+        <p:nvPicPr>
+          <p:cNvPr id="5" name="Picture 4" descr="A picture containing sky&#10;&#10;Description automatically generated">
             <a:extLst>
               <a:ext uri="{FF2B5EF4-FFF2-40B4-BE49-F238E27FC236}">
-                <a16:creationId xmlns:a16="http://schemas.microsoft.com/office/drawing/2014/main" id="{398A3C04-99CB-61D7-8D27-C44EAA6C622D}"/>
+                <a16:creationId xmlns:a16="http://schemas.microsoft.com/office/drawing/2014/main" id="{20A3AA52-62AD-6F98-F993-FD05C3467859}"/>
               </a:ext>
             </a:extLst>
           </p:cNvPr>
-          <p:cNvGrpSpPr/>
+          <p:cNvPicPr>
+            <a:picLocks noChangeAspect="1"/>
+          </p:cNvPicPr>
           <p:nvPr/>
-        </p:nvGrpSpPr>
-        <p:grpSpPr>
+        </p:nvPicPr>
+        <p:blipFill>
+          <a:blip r:embed="rId3"/>
+          <a:stretch>
+            <a:fillRect/>
+          </a:stretch>
+        </p:blipFill>
+        <p:spPr>
           <a:xfrm>
-            <a:off x="1185716" y="2110454"/>
-            <a:ext cx="9820568" cy="2637092"/>
-            <a:chOff x="1415480" y="1988840"/>
-            <a:chExt cx="9820568" cy="2637092"/>
+            <a:off x="1899674" y="1556791"/>
+            <a:ext cx="8392653" cy="3984205"/>
           </a:xfrm>
-        </p:grpSpPr>
-        <p:pic>
-          <p:nvPicPr>
-            <p:cNvPr id="5" name="Picture 4">
-              <a:extLst>
-                <a:ext uri="{FF2B5EF4-FFF2-40B4-BE49-F238E27FC236}">
-                  <a16:creationId xmlns:a16="http://schemas.microsoft.com/office/drawing/2014/main" id="{F0E0ED9C-2FB8-CE65-151F-D6A81B5AC76D}"/>
-                </a:ext>
-              </a:extLst>
-            </p:cNvPr>
-            <p:cNvPicPr>
-              <a:picLocks noChangeAspect="1"/>
-            </p:cNvPicPr>
-            <p:nvPr/>
-          </p:nvPicPr>
-          <p:blipFill>
-            <a:blip r:embed="rId3" cstate="print">
-              <a:extLst>
-                <a:ext uri="{28A0092B-C50C-407E-A947-70E740481C1C}">
-                  <a14:useLocalDpi xmlns:a14="http://schemas.microsoft.com/office/drawing/2010/main" val="0"/>
-                </a:ext>
-              </a:extLst>
-            </a:blip>
-            <a:stretch>
-              <a:fillRect/>
-            </a:stretch>
-          </p:blipFill>
-          <p:spPr>
-            <a:xfrm>
-              <a:off x="5375920" y="1988840"/>
-              <a:ext cx="5637920" cy="2160000"/>
-            </a:xfrm>
-            <a:prstGeom prst="rect">
-              <a:avLst/>
-            </a:prstGeom>
-          </p:spPr>
-        </p:pic>
-        <p:pic>
-          <p:nvPicPr>
-            <p:cNvPr id="6" name="Picture 5">
-              <a:extLst>
-                <a:ext uri="{FF2B5EF4-FFF2-40B4-BE49-F238E27FC236}">
-                  <a16:creationId xmlns:a16="http://schemas.microsoft.com/office/drawing/2014/main" id="{F2632E97-4E16-9328-8207-A45F7936AE6D}"/>
-                </a:ext>
-              </a:extLst>
-            </p:cNvPr>
-            <p:cNvPicPr>
-              <a:picLocks noChangeAspect="1"/>
-            </p:cNvPicPr>
-            <p:nvPr/>
-          </p:nvPicPr>
-          <p:blipFill>
-            <a:blip r:embed="rId4" cstate="print">
-              <a:extLst>
-                <a:ext uri="{28A0092B-C50C-407E-A947-70E740481C1C}">
-                  <a14:useLocalDpi xmlns:a14="http://schemas.microsoft.com/office/drawing/2010/main" val="0"/>
-                </a:ext>
-              </a:extLst>
-            </a:blip>
-            <a:stretch>
-              <a:fillRect/>
-            </a:stretch>
-          </p:blipFill>
-          <p:spPr>
-            <a:xfrm>
-              <a:off x="1415480" y="1988840"/>
-              <a:ext cx="3793831" cy="2160000"/>
-            </a:xfrm>
-            <a:prstGeom prst="rect">
-              <a:avLst/>
-            </a:prstGeom>
-          </p:spPr>
-        </p:pic>
-        <p:sp>
-          <p:nvSpPr>
-            <p:cNvPr id="8" name="Text Box 8">
-              <a:extLst>
-                <a:ext uri="{FF2B5EF4-FFF2-40B4-BE49-F238E27FC236}">
-                  <a16:creationId xmlns:a16="http://schemas.microsoft.com/office/drawing/2014/main" id="{F78725E6-0A3C-5441-8105-333D14743DDC}"/>
-                </a:ext>
-              </a:extLst>
-            </p:cNvPr>
-            <p:cNvSpPr txBox="1"/>
-            <p:nvPr/>
-          </p:nvSpPr>
-          <p:spPr>
-            <a:xfrm>
-              <a:off x="2201542" y="4348933"/>
-              <a:ext cx="2221706" cy="276999"/>
-            </a:xfrm>
-            <a:prstGeom prst="rect">
-              <a:avLst/>
-            </a:prstGeom>
-            <a:solidFill>
-              <a:prstClr val="white"/>
-            </a:solidFill>
-            <a:ln>
-              <a:noFill/>
-            </a:ln>
-          </p:spPr>
-          <p:txBody>
-            <a:bodyPr rot="0" spcFirstLastPara="0" vert="horz" wrap="square" lIns="0" tIns="0" rIns="0" bIns="0" numCol="1" spcCol="0" rtlCol="0" fromWordArt="0" anchor="t" anchorCtr="0" forceAA="0" compatLnSpc="1">
-              <a:prstTxWarp prst="textNoShape">
-                <a:avLst/>
-              </a:prstTxWarp>
-              <a:spAutoFit/>
-            </a:bodyPr>
-            <a:lstStyle/>
-            <a:p>
-              <a:pPr algn="ctr">
-                <a:spcBef>
-                  <a:spcPts val="760"/>
-                </a:spcBef>
-                <a:spcAft>
-                  <a:spcPts val="800"/>
-                </a:spcAft>
-              </a:pPr>
-              <a:r>
-                <a:rPr lang="en-US" kern="100" dirty="0">
-                  <a:effectLst/>
-                  <a:latin typeface="+mn-ea"/>
-                  <a:ea typeface="+mn-ea"/>
-                  <a:cs typeface="SimSun" panose="02010600030101010101" pitchFamily="2" charset="-122"/>
-                </a:rPr>
-                <a:t>PRISM</a:t>
-              </a:r>
-              <a:endParaRPr lang="en-CN" kern="100" dirty="0">
-                <a:effectLst/>
-                <a:latin typeface="+mn-ea"/>
-                <a:ea typeface="+mn-ea"/>
-                <a:cs typeface="SimSun" panose="02010600030101010101" pitchFamily="2" charset="-122"/>
-              </a:endParaRPr>
-            </a:p>
-          </p:txBody>
-        </p:sp>
-        <p:sp>
-          <p:nvSpPr>
-            <p:cNvPr id="9" name="Text Box 9">
-              <a:extLst>
-                <a:ext uri="{FF2B5EF4-FFF2-40B4-BE49-F238E27FC236}">
-                  <a16:creationId xmlns:a16="http://schemas.microsoft.com/office/drawing/2014/main" id="{FD9C0D5F-8487-4DF1-A0A8-87A730A6055A}"/>
-                </a:ext>
-              </a:extLst>
-            </p:cNvPr>
-            <p:cNvSpPr txBox="1"/>
-            <p:nvPr/>
-          </p:nvSpPr>
-          <p:spPr>
-            <a:xfrm>
-              <a:off x="5375920" y="4348933"/>
-              <a:ext cx="5860128" cy="276999"/>
-            </a:xfrm>
-            <a:prstGeom prst="rect">
-              <a:avLst/>
-            </a:prstGeom>
-            <a:solidFill>
-              <a:prstClr val="white"/>
-            </a:solidFill>
-            <a:ln>
-              <a:noFill/>
-            </a:ln>
-          </p:spPr>
-          <p:txBody>
-            <a:bodyPr rot="0" spcFirstLastPara="0" vert="horz" wrap="square" lIns="0" tIns="0" rIns="0" bIns="0" numCol="1" spcCol="0" rtlCol="0" fromWordArt="0" anchor="t" anchorCtr="0" forceAA="0" compatLnSpc="1">
-              <a:prstTxWarp prst="textNoShape">
-                <a:avLst/>
-              </a:prstTxWarp>
-              <a:spAutoFit/>
-            </a:bodyPr>
-            <a:lstStyle/>
-            <a:p>
-              <a:pPr algn="ctr">
-                <a:spcBef>
-                  <a:spcPts val="760"/>
-                </a:spcBef>
-                <a:spcAft>
-                  <a:spcPts val="800"/>
-                </a:spcAft>
-              </a:pPr>
-              <a:r>
-                <a:rPr lang="en-US" kern="100" dirty="0">
-                  <a:latin typeface="+mn-ea"/>
-                  <a:ea typeface="+mn-ea"/>
-                </a:rPr>
-                <a:t>Go-Go     </a:t>
-              </a:r>
-              <a:r>
-                <a:rPr lang="zh-CN" altLang="en-US" kern="100" dirty="0">
-                  <a:latin typeface="+mn-ea"/>
-                  <a:ea typeface="+mn-ea"/>
-                </a:rPr>
-                <a:t>    </a:t>
-              </a:r>
-              <a:r>
-                <a:rPr lang="en-US" kern="100" dirty="0">
-                  <a:latin typeface="+mn-ea"/>
-                  <a:ea typeface="+mn-ea"/>
-                </a:rPr>
-                <a:t>           </a:t>
-              </a:r>
-              <a:r>
-                <a:rPr lang="zh-CN" altLang="en-US" kern="100" dirty="0">
-                  <a:latin typeface="+mn-ea"/>
-                  <a:ea typeface="+mn-ea"/>
-                </a:rPr>
-                <a:t>射线广播</a:t>
-              </a:r>
-              <a:endParaRPr lang="en-CN" kern="100" dirty="0">
-                <a:latin typeface="+mn-ea"/>
-                <a:ea typeface="+mn-ea"/>
-              </a:endParaRPr>
-            </a:p>
-          </p:txBody>
-        </p:sp>
-      </p:grpSp>
+          <a:prstGeom prst="rect">
+            <a:avLst/>
+          </a:prstGeom>
+        </p:spPr>
+      </p:pic>
       <p:sp>
         <p:nvSpPr>
-          <p:cNvPr id="12" name="TextBox 11">
+          <p:cNvPr id="6" name="TextBox 5">
             <a:extLst>
               <a:ext uri="{FF2B5EF4-FFF2-40B4-BE49-F238E27FC236}">
-                <a16:creationId xmlns:a16="http://schemas.microsoft.com/office/drawing/2014/main" id="{2ECF92C8-0884-FA24-5C91-C10956BE5890}"/>
+                <a16:creationId xmlns:a16="http://schemas.microsoft.com/office/drawing/2014/main" id="{BBAEB1D0-59BC-9932-AF20-4D5690EDE08E}"/>
               </a:ext>
             </a:extLst>
           </p:cNvPr>
@@ -15166,83 +13570,73 @@
         </p:nvSpPr>
         <p:spPr>
           <a:xfrm>
-            <a:off x="1185716" y="5385410"/>
-            <a:ext cx="9820568" cy="707886"/>
+            <a:off x="0" y="5867980"/>
+            <a:ext cx="12192000" cy="369332"/>
           </a:xfrm>
           <a:prstGeom prst="rect">
             <a:avLst/>
           </a:prstGeom>
           <a:solidFill>
-            <a:schemeClr val="bg1"/>
+            <a:schemeClr val="bg1">
+              <a:lumMod val="85000"/>
+            </a:schemeClr>
           </a:solidFill>
         </p:spPr>
         <p:txBody>
-          <a:bodyPr wrap="square">
+          <a:bodyPr wrap="square" rtlCol="0">
             <a:spAutoFit/>
           </a:bodyPr>
           <a:lstStyle/>
           <a:p>
-            <a:r>
-              <a:rPr lang="zh-CN" sz="2000" kern="100" dirty="0">
-                <a:effectLst/>
-                <a:latin typeface="+mn-ea"/>
-                <a:ea typeface="+mn-ea"/>
-                <a:cs typeface="SimSun" panose="02010600030101010101" pitchFamily="2" charset="-122"/>
-              </a:rPr>
-              <a:t>在基于手部（含手柄）追踪的方法研究早期，学界主要的</a:t>
-            </a:r>
-            <a:r>
-              <a:rPr lang="zh-CN" altLang="en-US" sz="2000" kern="100" dirty="0">
-                <a:effectLst/>
-                <a:latin typeface="+mn-ea"/>
-                <a:ea typeface="+mn-ea"/>
-                <a:cs typeface="SimSun" panose="02010600030101010101" pitchFamily="2" charset="-122"/>
-              </a:rPr>
-              <a:t>三</a:t>
-            </a:r>
-            <a:r>
-              <a:rPr lang="zh-CN" sz="2000" kern="100" dirty="0">
-                <a:effectLst/>
-                <a:latin typeface="+mn-ea"/>
-                <a:ea typeface="+mn-ea"/>
-                <a:cs typeface="SimSun" panose="02010600030101010101" pitchFamily="2" charset="-122"/>
-              </a:rPr>
-              <a:t>大思路为在虚拟环境中单手直接操纵、延长用户手臂和射线广播（</a:t>
-            </a:r>
-            <a:r>
-              <a:rPr lang="en-US" sz="2000" kern="100" dirty="0">
-                <a:effectLst/>
-                <a:latin typeface="+mn-ea"/>
-                <a:ea typeface="+mn-ea"/>
-                <a:cs typeface="SimSun" panose="02010600030101010101" pitchFamily="2" charset="-122"/>
-              </a:rPr>
-              <a:t>ray-casting</a:t>
-            </a:r>
-            <a:r>
-              <a:rPr lang="zh-CN" sz="2000" kern="100" dirty="0">
-                <a:effectLst/>
-                <a:latin typeface="+mn-ea"/>
-                <a:ea typeface="+mn-ea"/>
-                <a:cs typeface="SimSun" panose="02010600030101010101" pitchFamily="2" charset="-122"/>
-              </a:rPr>
-              <a:t>）</a:t>
-            </a:r>
-            <a:r>
-              <a:rPr lang="zh-CN" altLang="en-US" sz="2000" dirty="0">
-                <a:effectLst/>
-                <a:latin typeface="+mn-ea"/>
+            <a:pPr algn="ctr"/>
+            <a:r>
+              <a:rPr lang="en-US" dirty="0">
+                <a:latin typeface="+mn-lt"/>
                 <a:ea typeface="+mn-ea"/>
               </a:rPr>
-              <a:t>。</a:t>
-            </a:r>
-            <a:endParaRPr lang="en-CN" sz="2000" dirty="0">
-              <a:latin typeface="+mn-ea"/>
+              <a:t>[</a:t>
+            </a:r>
+            <a:r>
+              <a:rPr lang="en-US" dirty="0" err="1">
+                <a:latin typeface="+mn-lt"/>
+                <a:ea typeface="+mn-ea"/>
+              </a:rPr>
+              <a:t>Gloumeau</a:t>
+            </a:r>
+            <a:r>
+              <a:rPr lang="en-US" dirty="0">
+                <a:latin typeface="+mn-lt"/>
+                <a:ea typeface="+mn-ea"/>
+              </a:rPr>
+              <a:t>, "</a:t>
+            </a:r>
+            <a:r>
+              <a:rPr lang="en-US" dirty="0" err="1">
+                <a:latin typeface="+mn-lt"/>
+                <a:ea typeface="+mn-ea"/>
+              </a:rPr>
+              <a:t>PinNPivot</a:t>
+            </a:r>
+            <a:r>
+              <a:rPr lang="en-US" dirty="0">
+                <a:latin typeface="+mn-lt"/>
+                <a:ea typeface="+mn-ea"/>
+              </a:rPr>
+              <a:t>: Object Manipulation Using Pins in Immersive Virtual Environments," in IEEE TVCG, April 2021]</a:t>
+            </a:r>
+            <a:endParaRPr lang="en-CN" dirty="0">
+              <a:latin typeface="+mn-lt"/>
               <a:ea typeface="+mn-ea"/>
             </a:endParaRPr>
           </a:p>
         </p:txBody>
       </p:sp>
     </p:spTree>
+    <p:extLst>
+      <p:ext uri="{BB962C8B-B14F-4D97-AF65-F5344CB8AC3E}">
+        <p14:creationId xmlns:p14="http://schemas.microsoft.com/office/powerpoint/2010/main" val="3161949432"/>
+      </p:ext>
+    </p:extLst>
   </p:cSld>
   <p:clrMapOvr>
     <a:masterClrMapping/>
@@ -15280,7 +13674,7 @@
         <p:spPr>
           <a:xfrm>
             <a:off x="336000" y="712800"/>
-            <a:ext cx="11520000" cy="5596520"/>
+            <a:ext cx="11520000" cy="642937"/>
           </a:xfrm>
         </p:spPr>
         <p:txBody>
@@ -15288,13 +13682,22 @@
           <a:lstStyle/>
           <a:p>
             <a:r>
+              <a:rPr lang="zh-CN" altLang="en-CN" dirty="0"/>
+              <a:t>基于</a:t>
+            </a:r>
+            <a:r>
               <a:rPr lang="zh-CN" altLang="en-US" dirty="0"/>
-              <a:t>研究现状</a:t>
+              <a:t>眼动追踪的对象操纵方法（</a:t>
             </a:r>
             <a:r>
               <a:rPr lang="en-US" altLang="zh-CN" dirty="0"/>
-              <a:t>	</a:t>
-            </a:r>
+              <a:t>SOTA</a:t>
+            </a:r>
+            <a:r>
+              <a:rPr lang="zh-CN" altLang="en-US" dirty="0"/>
+              <a:t>）</a:t>
+            </a:r>
+            <a:endParaRPr lang="en-US" altLang="zh-CN" dirty="0"/>
           </a:p>
         </p:txBody>
       </p:sp>
@@ -15320,326 +13723,89 @@
           </a:p>
         </p:txBody>
       </p:sp>
-      <p:grpSp>
-        <p:nvGrpSpPr>
-          <p:cNvPr id="26" name="Group 25">
+      <p:pic>
+        <p:nvPicPr>
+          <p:cNvPr id="8" name="Picture 7" descr="A picture containing diagram&#10;&#10;Description automatically generated">
             <a:extLst>
               <a:ext uri="{FF2B5EF4-FFF2-40B4-BE49-F238E27FC236}">
-                <a16:creationId xmlns:a16="http://schemas.microsoft.com/office/drawing/2014/main" id="{17D553DF-0424-BAFC-1C44-4C2A62416A75}"/>
+                <a16:creationId xmlns:a16="http://schemas.microsoft.com/office/drawing/2014/main" id="{D0302A45-0E12-EDB9-AEDE-C3B9B6027632}"/>
               </a:ext>
             </a:extLst>
           </p:cNvPr>
-          <p:cNvGrpSpPr/>
+          <p:cNvPicPr>
+            <a:picLocks noChangeAspect="1"/>
+          </p:cNvPicPr>
           <p:nvPr/>
-        </p:nvGrpSpPr>
-        <p:grpSpPr>
+        </p:nvPicPr>
+        <p:blipFill>
+          <a:blip r:embed="rId3"/>
+          <a:stretch>
+            <a:fillRect/>
+          </a:stretch>
+        </p:blipFill>
+        <p:spPr>
           <a:xfrm>
-            <a:off x="1278946" y="1844824"/>
-            <a:ext cx="9634108" cy="4165547"/>
-            <a:chOff x="2063552" y="1388107"/>
-            <a:chExt cx="9634108" cy="4165547"/>
+            <a:off x="2352700" y="1556793"/>
+            <a:ext cx="7486600" cy="4033350"/>
           </a:xfrm>
-        </p:grpSpPr>
-        <p:grpSp>
-          <p:nvGrpSpPr>
-            <p:cNvPr id="21" name="组合 21">
-              <a:extLst>
-                <a:ext uri="{FF2B5EF4-FFF2-40B4-BE49-F238E27FC236}">
-                  <a16:creationId xmlns:a16="http://schemas.microsoft.com/office/drawing/2014/main" id="{218828ED-91A6-8082-BDE2-DD7B2BDC5990}"/>
-                </a:ext>
-              </a:extLst>
-            </p:cNvPr>
-            <p:cNvGrpSpPr/>
-            <p:nvPr/>
-          </p:nvGrpSpPr>
-          <p:grpSpPr>
-            <a:xfrm>
-              <a:off x="2063552" y="3785955"/>
-              <a:ext cx="9634108" cy="1417153"/>
-              <a:chOff x="0" y="0"/>
-              <a:chExt cx="5797854" cy="852805"/>
-            </a:xfrm>
-          </p:grpSpPr>
-          <p:pic>
-            <p:nvPicPr>
-              <p:cNvPr id="24" name="图片 20">
-                <a:extLst>
-                  <a:ext uri="{FF2B5EF4-FFF2-40B4-BE49-F238E27FC236}">
-                    <a16:creationId xmlns:a16="http://schemas.microsoft.com/office/drawing/2014/main" id="{46AA20DE-3681-FDAD-C97D-6A570AB779C8}"/>
-                  </a:ext>
-                </a:extLst>
-              </p:cNvPr>
-              <p:cNvPicPr>
-                <a:picLocks noChangeAspect="1"/>
-              </p:cNvPicPr>
-              <p:nvPr/>
-            </p:nvPicPr>
-            <p:blipFill>
-              <a:blip r:embed="rId3">
-                <a:extLst>
-                  <a:ext uri="{28A0092B-C50C-407E-A947-70E740481C1C}">
-                    <a14:useLocalDpi xmlns:a14="http://schemas.microsoft.com/office/drawing/2010/main" val="0"/>
-                  </a:ext>
-                </a:extLst>
-              </a:blip>
-              <a:srcRect/>
-              <a:stretch>
-                <a:fillRect/>
-              </a:stretch>
-            </p:blipFill>
-            <p:spPr bwMode="auto">
-              <a:xfrm>
-                <a:off x="0" y="0"/>
-                <a:ext cx="2879725" cy="842645"/>
-              </a:xfrm>
-              <a:prstGeom prst="rect">
-                <a:avLst/>
-              </a:prstGeom>
-              <a:noFill/>
-              <a:ln>
-                <a:noFill/>
-              </a:ln>
-            </p:spPr>
-          </p:pic>
-          <p:pic>
-            <p:nvPicPr>
-              <p:cNvPr id="25" name="图片 19" descr="文本&#10;&#10;低可信度描述已自动生成">
-                <a:extLst>
-                  <a:ext uri="{FF2B5EF4-FFF2-40B4-BE49-F238E27FC236}">
-                    <a16:creationId xmlns:a16="http://schemas.microsoft.com/office/drawing/2014/main" id="{504017EB-0FAE-DF30-0937-581DC1C5596A}"/>
-                  </a:ext>
-                </a:extLst>
-              </p:cNvPr>
-              <p:cNvPicPr>
-                <a:picLocks noChangeAspect="1"/>
-              </p:cNvPicPr>
-              <p:nvPr/>
-            </p:nvPicPr>
-            <p:blipFill>
-              <a:blip r:embed="rId4">
-                <a:extLst>
-                  <a:ext uri="{28A0092B-C50C-407E-A947-70E740481C1C}">
-                    <a14:useLocalDpi xmlns:a14="http://schemas.microsoft.com/office/drawing/2010/main" val="0"/>
-                  </a:ext>
-                </a:extLst>
-              </a:blip>
-              <a:srcRect/>
-              <a:stretch>
-                <a:fillRect/>
-              </a:stretch>
-            </p:blipFill>
-            <p:spPr bwMode="auto">
-              <a:xfrm>
-                <a:off x="2918129" y="0"/>
-                <a:ext cx="2879725" cy="852805"/>
-              </a:xfrm>
-              <a:prstGeom prst="rect">
-                <a:avLst/>
-              </a:prstGeom>
-              <a:noFill/>
-              <a:ln>
-                <a:noFill/>
-              </a:ln>
-            </p:spPr>
-          </p:pic>
-        </p:grpSp>
-        <p:sp>
-          <p:nvSpPr>
-            <p:cNvPr id="23" name="文本框 22">
-              <a:extLst>
-                <a:ext uri="{FF2B5EF4-FFF2-40B4-BE49-F238E27FC236}">
-                  <a16:creationId xmlns:a16="http://schemas.microsoft.com/office/drawing/2014/main" id="{F738B6DB-7666-E555-292D-B8E45F6CBC23}"/>
-                </a:ext>
-              </a:extLst>
-            </p:cNvPr>
-            <p:cNvSpPr txBox="1"/>
-            <p:nvPr/>
-          </p:nvSpPr>
-          <p:spPr>
-            <a:xfrm>
-              <a:off x="3981983" y="5203109"/>
-              <a:ext cx="5797246" cy="350545"/>
-            </a:xfrm>
-            <a:prstGeom prst="rect">
-              <a:avLst/>
-            </a:prstGeom>
-            <a:solidFill>
-              <a:prstClr val="white"/>
-            </a:solidFill>
-            <a:ln>
-              <a:noFill/>
-            </a:ln>
-          </p:spPr>
-          <p:txBody>
-            <a:bodyPr rot="0" spcFirstLastPara="0" vert="horz" wrap="square" lIns="0" tIns="0" rIns="0" bIns="0" numCol="1" spcCol="0" rtlCol="0" fromWordArt="0" anchor="t" anchorCtr="0" forceAA="0" compatLnSpc="1">
-              <a:prstTxWarp prst="textNoShape">
-                <a:avLst/>
-              </a:prstTxWarp>
-              <a:spAutoFit/>
-            </a:bodyPr>
-            <a:lstStyle/>
-            <a:p>
-              <a:pPr algn="ctr">
-                <a:lnSpc>
-                  <a:spcPct val="150000"/>
-                </a:lnSpc>
-              </a:pPr>
-              <a:r>
-                <a:rPr lang="zh-CN" kern="100" dirty="0">
-                  <a:effectLst/>
-                  <a:latin typeface="+mn-ea"/>
-                  <a:ea typeface="+mn-ea"/>
-                  <a:cs typeface="SimSun" panose="02010600030101010101" pitchFamily="2" charset="-122"/>
-                </a:rPr>
-                <a:t>基于双手直接操纵的</a:t>
-              </a:r>
-              <a:r>
-                <a:rPr lang="en-US" kern="100" dirty="0">
-                  <a:effectLst/>
-                  <a:latin typeface="+mn-ea"/>
-                  <a:ea typeface="+mn-ea"/>
-                  <a:cs typeface="SimSun" panose="02010600030101010101" pitchFamily="2" charset="-122"/>
-                </a:rPr>
-                <a:t>Sticky Tools</a:t>
-              </a:r>
-              <a:r>
-                <a:rPr lang="zh-CN" kern="100" dirty="0">
-                  <a:effectLst/>
-                  <a:latin typeface="+mn-ea"/>
-                  <a:ea typeface="+mn-ea"/>
-                  <a:cs typeface="SimSun" panose="02010600030101010101" pitchFamily="2" charset="-122"/>
-                </a:rPr>
-                <a:t>方法</a:t>
-              </a:r>
-              <a:endParaRPr lang="en-CN" kern="100" dirty="0">
-                <a:effectLst/>
-                <a:latin typeface="+mn-ea"/>
+          <a:prstGeom prst="rect">
+            <a:avLst/>
+          </a:prstGeom>
+        </p:spPr>
+      </p:pic>
+      <p:sp>
+        <p:nvSpPr>
+          <p:cNvPr id="11" name="TextBox 10">
+            <a:extLst>
+              <a:ext uri="{FF2B5EF4-FFF2-40B4-BE49-F238E27FC236}">
+                <a16:creationId xmlns:a16="http://schemas.microsoft.com/office/drawing/2014/main" id="{F4D76801-F613-218D-092A-ECA0DBF8A8EE}"/>
+              </a:ext>
+            </a:extLst>
+          </p:cNvPr>
+          <p:cNvSpPr txBox="1"/>
+          <p:nvPr/>
+        </p:nvSpPr>
+        <p:spPr>
+          <a:xfrm>
+            <a:off x="0" y="5867980"/>
+            <a:ext cx="12192000" cy="369332"/>
+          </a:xfrm>
+          <a:prstGeom prst="rect">
+            <a:avLst/>
+          </a:prstGeom>
+          <a:solidFill>
+            <a:schemeClr val="bg1">
+              <a:lumMod val="85000"/>
+            </a:schemeClr>
+          </a:solidFill>
+        </p:spPr>
+        <p:txBody>
+          <a:bodyPr wrap="square" rtlCol="0">
+            <a:spAutoFit/>
+          </a:bodyPr>
+          <a:lstStyle/>
+          <a:p>
+            <a:pPr algn="ctr"/>
+            <a:r>
+              <a:rPr lang="en-US" dirty="0">
+                <a:latin typeface="+mn-lt"/>
                 <a:ea typeface="+mn-ea"/>
-                <a:cs typeface="SimSun" panose="02010600030101010101" pitchFamily="2" charset="-122"/>
-              </a:endParaRPr>
-            </a:p>
-          </p:txBody>
-        </p:sp>
-        <p:pic>
-          <p:nvPicPr>
-            <p:cNvPr id="19" name="图片 18">
-              <a:extLst>
-                <a:ext uri="{FF2B5EF4-FFF2-40B4-BE49-F238E27FC236}">
-                  <a16:creationId xmlns:a16="http://schemas.microsoft.com/office/drawing/2014/main" id="{216B13D9-11DD-6BF1-78B2-D803DC28399C}"/>
-                </a:ext>
-              </a:extLst>
-            </p:cNvPr>
-            <p:cNvPicPr>
-              <a:picLocks noChangeAspect="1"/>
-            </p:cNvPicPr>
-            <p:nvPr/>
-          </p:nvPicPr>
-          <p:blipFill>
-            <a:blip r:embed="rId5">
-              <a:extLst>
-                <a:ext uri="{28A0092B-C50C-407E-A947-70E740481C1C}">
-                  <a14:useLocalDpi xmlns:a14="http://schemas.microsoft.com/office/drawing/2010/main" val="0"/>
-                </a:ext>
-              </a:extLst>
-            </a:blip>
-            <a:srcRect/>
-            <a:stretch>
-              <a:fillRect/>
-            </a:stretch>
-          </p:blipFill>
-          <p:spPr bwMode="auto">
-            <a:xfrm>
-              <a:off x="4488033" y="1388107"/>
-              <a:ext cx="4785147" cy="1631079"/>
-            </a:xfrm>
-            <a:prstGeom prst="rect">
-              <a:avLst/>
-            </a:prstGeom>
-            <a:noFill/>
-            <a:ln>
-              <a:noFill/>
-            </a:ln>
-          </p:spPr>
-        </p:pic>
-        <p:sp>
-          <p:nvSpPr>
-            <p:cNvPr id="20" name="文本框 23">
-              <a:extLst>
-                <a:ext uri="{FF2B5EF4-FFF2-40B4-BE49-F238E27FC236}">
-                  <a16:creationId xmlns:a16="http://schemas.microsoft.com/office/drawing/2014/main" id="{7561B424-09E2-2BB5-A138-DD41292656AA}"/>
-                </a:ext>
-              </a:extLst>
-            </p:cNvPr>
-            <p:cNvSpPr txBox="1"/>
-            <p:nvPr/>
-          </p:nvSpPr>
-          <p:spPr>
-            <a:xfrm>
-              <a:off x="4805261" y="3039246"/>
-              <a:ext cx="4150691" cy="350545"/>
-            </a:xfrm>
-            <a:prstGeom prst="rect">
-              <a:avLst/>
-            </a:prstGeom>
-            <a:solidFill>
-              <a:prstClr val="white"/>
-            </a:solidFill>
-            <a:ln>
-              <a:noFill/>
-            </a:ln>
-          </p:spPr>
-          <p:txBody>
-            <a:bodyPr rot="0" spcFirstLastPara="0" vert="horz" wrap="square" lIns="0" tIns="0" rIns="0" bIns="0" numCol="1" spcCol="0" rtlCol="0" fromWordArt="0" anchor="t" anchorCtr="0" forceAA="0" compatLnSpc="1">
-              <a:prstTxWarp prst="textNoShape">
-                <a:avLst/>
-              </a:prstTxWarp>
-              <a:spAutoFit/>
-            </a:bodyPr>
-            <a:lstStyle/>
-            <a:p>
-              <a:pPr algn="ctr">
-                <a:lnSpc>
-                  <a:spcPct val="150000"/>
-                </a:lnSpc>
-              </a:pPr>
-              <a:r>
-                <a:rPr lang="zh-CN" kern="100" dirty="0">
-                  <a:effectLst/>
-                  <a:latin typeface="+mn-ea"/>
-                  <a:ea typeface="+mn-ea"/>
-                  <a:cs typeface="SimSun" panose="02010600030101010101" pitchFamily="2" charset="-122"/>
-                </a:rPr>
-                <a:t>基于双手直接操纵的</a:t>
-              </a:r>
-              <a:r>
-                <a:rPr lang="en-US" kern="100" dirty="0">
-                  <a:effectLst/>
-                  <a:latin typeface="+mn-ea"/>
-                  <a:ea typeface="+mn-ea"/>
-                  <a:cs typeface="SimSun" panose="02010600030101010101" pitchFamily="2" charset="-122"/>
-                </a:rPr>
-                <a:t>Z</a:t>
-              </a:r>
-              <a:r>
-                <a:rPr lang="zh-CN" kern="100" dirty="0">
-                  <a:effectLst/>
-                  <a:latin typeface="+mn-ea"/>
-                  <a:ea typeface="+mn-ea"/>
-                  <a:cs typeface="SimSun" panose="02010600030101010101" pitchFamily="2" charset="-122"/>
-                </a:rPr>
-                <a:t>技术</a:t>
-              </a:r>
-              <a:endParaRPr lang="en-CN" sz="1400" kern="100" dirty="0">
-                <a:effectLst/>
-                <a:latin typeface="+mn-ea"/>
-                <a:ea typeface="+mn-ea"/>
-                <a:cs typeface="SimSun" panose="02010600030101010101" pitchFamily="2" charset="-122"/>
-              </a:endParaRPr>
-            </a:p>
-          </p:txBody>
-        </p:sp>
-      </p:grpSp>
+              </a:rPr>
+              <a:t>[Yu, “Gaze-Supported 3D Object Manipulation in Virtual Reality,” in ACM CHI, May 2021]</a:t>
+            </a:r>
+            <a:endParaRPr lang="en-CN" dirty="0">
+              <a:latin typeface="+mn-lt"/>
+              <a:ea typeface="+mn-ea"/>
+            </a:endParaRPr>
+          </a:p>
+        </p:txBody>
+      </p:sp>
     </p:spTree>
+    <p:extLst>
+      <p:ext uri="{BB962C8B-B14F-4D97-AF65-F5344CB8AC3E}">
+        <p14:creationId xmlns:p14="http://schemas.microsoft.com/office/powerpoint/2010/main" val="3154817852"/>
+      </p:ext>
+    </p:extLst>
   </p:cSld>
   <p:clrMapOvr>
     <a:masterClrMapping/>
@@ -15666,38 +13832,7 @@
       </p:grpSpPr>
       <p:sp>
         <p:nvSpPr>
-          <p:cNvPr id="2" name="内容占位符 1"/>
-          <p:cNvSpPr>
-            <a:spLocks noGrp="1"/>
-          </p:cNvSpPr>
-          <p:nvPr>
-            <p:ph idx="1"/>
-          </p:nvPr>
-        </p:nvSpPr>
-        <p:spPr>
-          <a:xfrm>
-            <a:off x="336000" y="712800"/>
-            <a:ext cx="11520000" cy="5596520"/>
-          </a:xfrm>
-        </p:spPr>
-        <p:txBody>
-          <a:bodyPr/>
-          <a:lstStyle/>
-          <a:p>
-            <a:r>
-              <a:rPr lang="zh-CN" altLang="en-US" dirty="0"/>
-              <a:t>研究现状</a:t>
-            </a:r>
-            <a:r>
-              <a:rPr lang="en-US" altLang="zh-CN" dirty="0"/>
-              <a:t>	</a:t>
-            </a:r>
-          </a:p>
-        </p:txBody>
-      </p:sp>
-      <p:sp>
-        <p:nvSpPr>
-          <p:cNvPr id="3" name="标题 2"/>
+          <p:cNvPr id="8" name="标题 7"/>
           <p:cNvSpPr>
             <a:spLocks noGrp="1"/>
           </p:cNvSpPr>
@@ -15712,445 +13847,266 @@
           <a:p>
             <a:r>
               <a:rPr lang="zh-CN" altLang="en-US" dirty="0"/>
-              <a:t>二、研究现状</a:t>
+              <a:t>汇报提纲</a:t>
             </a:r>
           </a:p>
         </p:txBody>
       </p:sp>
-      <p:grpSp>
-        <p:nvGrpSpPr>
-          <p:cNvPr id="14" name="Group 13">
-            <a:extLst>
-              <a:ext uri="{FF2B5EF4-FFF2-40B4-BE49-F238E27FC236}">
-                <a16:creationId xmlns:a16="http://schemas.microsoft.com/office/drawing/2014/main" id="{0B3E8249-EF8D-8520-CBFF-673920B73ACD}"/>
-              </a:ext>
-            </a:extLst>
-          </p:cNvPr>
-          <p:cNvGrpSpPr/>
-          <p:nvPr/>
-        </p:nvGrpSpPr>
-        <p:grpSpPr>
-          <a:xfrm>
-            <a:off x="2149746" y="1595955"/>
-            <a:ext cx="7892509" cy="4002910"/>
-            <a:chOff x="1919536" y="1595955"/>
-            <a:chExt cx="7892509" cy="4002910"/>
-          </a:xfrm>
-        </p:grpSpPr>
-        <p:grpSp>
-          <p:nvGrpSpPr>
-            <p:cNvPr id="5" name="组合 12">
-              <a:extLst>
-                <a:ext uri="{FF2B5EF4-FFF2-40B4-BE49-F238E27FC236}">
-                  <a16:creationId xmlns:a16="http://schemas.microsoft.com/office/drawing/2014/main" id="{6ED60F0A-0426-EF32-947D-7124F6458459}"/>
-                </a:ext>
-              </a:extLst>
-            </p:cNvPr>
-            <p:cNvGrpSpPr/>
-            <p:nvPr/>
-          </p:nvGrpSpPr>
-          <p:grpSpPr>
-            <a:xfrm>
-              <a:off x="6918512" y="1798761"/>
-              <a:ext cx="2893533" cy="3301463"/>
-              <a:chOff x="0" y="0"/>
-              <a:chExt cx="1967230" cy="2244201"/>
-            </a:xfrm>
-          </p:grpSpPr>
-          <p:pic>
-            <p:nvPicPr>
-              <p:cNvPr id="12" name="图片 6" descr="蓝色的玩具&#10;&#10;低可信度描述已自动生成">
-                <a:extLst>
-                  <a:ext uri="{FF2B5EF4-FFF2-40B4-BE49-F238E27FC236}">
-                    <a16:creationId xmlns:a16="http://schemas.microsoft.com/office/drawing/2014/main" id="{1A5CE981-F7AC-3622-9263-1B885DAAB9B3}"/>
-                  </a:ext>
-                </a:extLst>
-              </p:cNvPr>
-              <p:cNvPicPr>
-                <a:picLocks noChangeAspect="1"/>
-              </p:cNvPicPr>
-              <p:nvPr/>
-            </p:nvPicPr>
-            <p:blipFill>
-              <a:blip r:embed="rId3">
-                <a:extLst>
-                  <a:ext uri="{28A0092B-C50C-407E-A947-70E740481C1C}">
-                    <a14:useLocalDpi xmlns:a14="http://schemas.microsoft.com/office/drawing/2010/main" val="0"/>
-                  </a:ext>
-                </a:extLst>
-              </a:blip>
-              <a:srcRect/>
-              <a:stretch>
-                <a:fillRect/>
-              </a:stretch>
-            </p:blipFill>
-            <p:spPr bwMode="auto">
-              <a:xfrm>
-                <a:off x="0" y="0"/>
-                <a:ext cx="1967230" cy="985520"/>
-              </a:xfrm>
-              <a:prstGeom prst="rect">
-                <a:avLst/>
-              </a:prstGeom>
-              <a:noFill/>
-              <a:ln>
-                <a:noFill/>
-              </a:ln>
-            </p:spPr>
-          </p:pic>
-          <p:pic>
-            <p:nvPicPr>
-              <p:cNvPr id="13" name="图片 5">
-                <a:extLst>
-                  <a:ext uri="{FF2B5EF4-FFF2-40B4-BE49-F238E27FC236}">
-                    <a16:creationId xmlns:a16="http://schemas.microsoft.com/office/drawing/2014/main" id="{9D71F56F-91FA-8B88-EB44-BCB099E3CF07}"/>
-                  </a:ext>
-                </a:extLst>
-              </p:cNvPr>
-              <p:cNvPicPr>
-                <a:picLocks noChangeAspect="1"/>
-              </p:cNvPicPr>
-              <p:nvPr/>
-            </p:nvPicPr>
-            <p:blipFill>
-              <a:blip r:embed="rId4">
-                <a:extLst>
-                  <a:ext uri="{28A0092B-C50C-407E-A947-70E740481C1C}">
-                    <a14:useLocalDpi xmlns:a14="http://schemas.microsoft.com/office/drawing/2010/main" val="0"/>
-                  </a:ext>
-                </a:extLst>
-              </a:blip>
-              <a:srcRect/>
-              <a:stretch>
-                <a:fillRect/>
-              </a:stretch>
-            </p:blipFill>
-            <p:spPr bwMode="auto">
-              <a:xfrm>
-                <a:off x="143124" y="978011"/>
-                <a:ext cx="1757045" cy="1266190"/>
-              </a:xfrm>
-              <a:prstGeom prst="rect">
-                <a:avLst/>
-              </a:prstGeom>
-              <a:noFill/>
-              <a:ln>
-                <a:noFill/>
-              </a:ln>
-            </p:spPr>
-          </p:pic>
-        </p:grpSp>
-        <p:grpSp>
-          <p:nvGrpSpPr>
-            <p:cNvPr id="6" name="组合 11">
-              <a:extLst>
-                <a:ext uri="{FF2B5EF4-FFF2-40B4-BE49-F238E27FC236}">
-                  <a16:creationId xmlns:a16="http://schemas.microsoft.com/office/drawing/2014/main" id="{0F891AF7-7EAA-01DB-5239-0A642C2570EE}"/>
-                </a:ext>
-              </a:extLst>
-            </p:cNvPr>
-            <p:cNvGrpSpPr/>
-            <p:nvPr/>
-          </p:nvGrpSpPr>
-          <p:grpSpPr>
-            <a:xfrm>
-              <a:off x="1919536" y="1595955"/>
-              <a:ext cx="3353953" cy="3536640"/>
-              <a:chOff x="0" y="0"/>
-              <a:chExt cx="2275840" cy="2376971"/>
-            </a:xfrm>
-          </p:grpSpPr>
-          <p:pic>
-            <p:nvPicPr>
-              <p:cNvPr id="10" name="图片 3">
-                <a:extLst>
-                  <a:ext uri="{FF2B5EF4-FFF2-40B4-BE49-F238E27FC236}">
-                    <a16:creationId xmlns:a16="http://schemas.microsoft.com/office/drawing/2014/main" id="{33FF2831-3D78-12C8-0B84-8B83496C4DE5}"/>
-                  </a:ext>
-                </a:extLst>
-              </p:cNvPr>
-              <p:cNvPicPr>
-                <a:picLocks noChangeAspect="1"/>
-              </p:cNvPicPr>
-              <p:nvPr/>
-            </p:nvPicPr>
-            <p:blipFill>
-              <a:blip r:embed="rId5">
-                <a:extLst>
-                  <a:ext uri="{28A0092B-C50C-407E-A947-70E740481C1C}">
-                    <a14:useLocalDpi xmlns:a14="http://schemas.microsoft.com/office/drawing/2010/main" val="0"/>
-                  </a:ext>
-                </a:extLst>
-              </a:blip>
-              <a:srcRect/>
-              <a:stretch>
-                <a:fillRect/>
-              </a:stretch>
-            </p:blipFill>
-            <p:spPr bwMode="auto">
-              <a:xfrm>
-                <a:off x="0" y="1375576"/>
-                <a:ext cx="2275840" cy="1001395"/>
-              </a:xfrm>
-              <a:prstGeom prst="rect">
-                <a:avLst/>
-              </a:prstGeom>
-              <a:noFill/>
-              <a:ln>
-                <a:noFill/>
-              </a:ln>
-            </p:spPr>
-          </p:pic>
-          <p:pic>
-            <p:nvPicPr>
-              <p:cNvPr id="11" name="图片 7" descr="图片包含 室内, 小, 桌子, 炉子&#10;&#10;描述已自动生成">
-                <a:extLst>
-                  <a:ext uri="{FF2B5EF4-FFF2-40B4-BE49-F238E27FC236}">
-                    <a16:creationId xmlns:a16="http://schemas.microsoft.com/office/drawing/2014/main" id="{942F5B26-3A9D-06A2-E2DD-6C5911BC87C8}"/>
-                  </a:ext>
-                </a:extLst>
-              </p:cNvPr>
-              <p:cNvPicPr>
-                <a:picLocks noChangeAspect="1"/>
-              </p:cNvPicPr>
-              <p:nvPr/>
-            </p:nvPicPr>
-            <p:blipFill>
-              <a:blip r:embed="rId6">
-                <a:extLst>
-                  <a:ext uri="{28A0092B-C50C-407E-A947-70E740481C1C}">
-                    <a14:useLocalDpi xmlns:a14="http://schemas.microsoft.com/office/drawing/2010/main" val="0"/>
-                  </a:ext>
-                </a:extLst>
-              </a:blip>
-              <a:srcRect/>
-              <a:stretch>
-                <a:fillRect/>
-              </a:stretch>
-            </p:blipFill>
-            <p:spPr bwMode="auto">
-              <a:xfrm>
-                <a:off x="55659" y="0"/>
-                <a:ext cx="1963420" cy="1346835"/>
-              </a:xfrm>
-              <a:prstGeom prst="rect">
-                <a:avLst/>
-              </a:prstGeom>
-              <a:noFill/>
-              <a:ln>
-                <a:noFill/>
-              </a:ln>
-            </p:spPr>
-          </p:pic>
-        </p:grpSp>
-        <p:sp>
-          <p:nvSpPr>
-            <p:cNvPr id="7" name="文本框 13">
-              <a:extLst>
-                <a:ext uri="{FF2B5EF4-FFF2-40B4-BE49-F238E27FC236}">
-                  <a16:creationId xmlns:a16="http://schemas.microsoft.com/office/drawing/2014/main" id="{3E7AD70D-E67B-DA22-DDAF-E8CA00B11562}"/>
-                </a:ext>
-              </a:extLst>
-            </p:cNvPr>
-            <p:cNvSpPr txBox="1"/>
-            <p:nvPr/>
-          </p:nvSpPr>
-          <p:spPr>
-            <a:xfrm>
-              <a:off x="2458695" y="5321866"/>
-              <a:ext cx="2275635" cy="276999"/>
-            </a:xfrm>
-            <a:prstGeom prst="rect">
-              <a:avLst/>
-            </a:prstGeom>
-            <a:solidFill>
-              <a:prstClr val="white"/>
-            </a:solidFill>
-            <a:ln>
-              <a:noFill/>
-            </a:ln>
-          </p:spPr>
-          <p:txBody>
-            <a:bodyPr rot="0" spcFirstLastPara="0" vert="horz" wrap="square" lIns="0" tIns="0" rIns="0" bIns="0" numCol="1" spcCol="0" rtlCol="0" fromWordArt="0" anchor="t" anchorCtr="0" forceAA="0" compatLnSpc="1">
-              <a:prstTxWarp prst="textNoShape">
-                <a:avLst/>
-              </a:prstTxWarp>
-              <a:spAutoFit/>
-            </a:bodyPr>
-            <a:lstStyle/>
-            <a:p>
-              <a:pPr algn="ctr">
-                <a:spcBef>
-                  <a:spcPts val="760"/>
-                </a:spcBef>
-                <a:spcAft>
-                  <a:spcPts val="800"/>
-                </a:spcAft>
-              </a:pPr>
-              <a:r>
-                <a:rPr lang="en-US" kern="100" dirty="0" err="1">
-                  <a:effectLst/>
-                  <a:latin typeface="+mn-ea"/>
-                  <a:ea typeface="+mn-ea"/>
-                  <a:cs typeface="SimSun" panose="02010600030101010101" pitchFamily="2" charset="-122"/>
-                </a:rPr>
-                <a:t>Houde</a:t>
-              </a:r>
-              <a:r>
-                <a:rPr lang="zh-CN" kern="100" dirty="0">
-                  <a:effectLst/>
-                  <a:latin typeface="+mn-ea"/>
-                  <a:ea typeface="+mn-ea"/>
-                  <a:cs typeface="SimSun" panose="02010600030101010101" pitchFamily="2" charset="-122"/>
-                </a:rPr>
-                <a:t>团队的方法</a:t>
-              </a:r>
-              <a:endParaRPr lang="en-CN" sz="1400" kern="100" dirty="0">
-                <a:effectLst/>
-                <a:latin typeface="+mn-ea"/>
-                <a:ea typeface="+mn-ea"/>
-                <a:cs typeface="SimSun" panose="02010600030101010101" pitchFamily="2" charset="-122"/>
-              </a:endParaRPr>
-            </a:p>
-          </p:txBody>
-        </p:sp>
-        <p:sp>
-          <p:nvSpPr>
-            <p:cNvPr id="8" name="文本框 14">
-              <a:extLst>
-                <a:ext uri="{FF2B5EF4-FFF2-40B4-BE49-F238E27FC236}">
-                  <a16:creationId xmlns:a16="http://schemas.microsoft.com/office/drawing/2014/main" id="{014EDA4B-FE67-EE21-B0BF-51E75D677C38}"/>
-                </a:ext>
-              </a:extLst>
-            </p:cNvPr>
-            <p:cNvSpPr txBox="1"/>
-            <p:nvPr/>
-          </p:nvSpPr>
-          <p:spPr>
-            <a:xfrm>
-              <a:off x="7382704" y="5321866"/>
-              <a:ext cx="1965148" cy="276999"/>
-            </a:xfrm>
-            <a:prstGeom prst="rect">
-              <a:avLst/>
-            </a:prstGeom>
-            <a:solidFill>
-              <a:prstClr val="white"/>
-            </a:solidFill>
-            <a:ln>
-              <a:noFill/>
-            </a:ln>
-          </p:spPr>
-          <p:txBody>
-            <a:bodyPr rot="0" spcFirstLastPara="0" vert="horz" wrap="square" lIns="0" tIns="0" rIns="0" bIns="0" numCol="1" spcCol="0" rtlCol="0" fromWordArt="0" anchor="t" anchorCtr="0" forceAA="0" compatLnSpc="1">
-              <a:prstTxWarp prst="textNoShape">
-                <a:avLst/>
-              </a:prstTxWarp>
-              <a:spAutoFit/>
-            </a:bodyPr>
-            <a:lstStyle/>
-            <a:p>
-              <a:pPr algn="ctr">
-                <a:spcBef>
-                  <a:spcPts val="760"/>
-                </a:spcBef>
-                <a:spcAft>
-                  <a:spcPts val="800"/>
-                </a:spcAft>
-              </a:pPr>
-              <a:r>
-                <a:rPr lang="en-US" kern="100" dirty="0">
-                  <a:effectLst/>
-                  <a:latin typeface="+mn-ea"/>
-                  <a:ea typeface="+mn-ea"/>
-                  <a:cs typeface="SimSun" panose="02010600030101010101" pitchFamily="2" charset="-122"/>
-                </a:rPr>
-                <a:t>Conner</a:t>
-              </a:r>
-              <a:r>
-                <a:rPr lang="zh-CN" kern="100" dirty="0">
-                  <a:effectLst/>
-                  <a:latin typeface="+mn-ea"/>
-                  <a:ea typeface="+mn-ea"/>
-                  <a:cs typeface="SimSun" panose="02010600030101010101" pitchFamily="2" charset="-122"/>
-                </a:rPr>
-                <a:t>团队的方法</a:t>
-              </a:r>
-              <a:endParaRPr lang="en-CN" kern="100" dirty="0">
-                <a:effectLst/>
-                <a:latin typeface="+mn-ea"/>
-                <a:ea typeface="+mn-ea"/>
-                <a:cs typeface="SimSun" panose="02010600030101010101" pitchFamily="2" charset="-122"/>
-              </a:endParaRPr>
-            </a:p>
-          </p:txBody>
-        </p:sp>
-      </p:grpSp>
       <p:sp>
         <p:nvSpPr>
-          <p:cNvPr id="9" name="文本框 16">
-            <a:extLst>
-              <a:ext uri="{FF2B5EF4-FFF2-40B4-BE49-F238E27FC236}">
-                <a16:creationId xmlns:a16="http://schemas.microsoft.com/office/drawing/2014/main" id="{84DE1EAD-7EEA-06BA-77CF-281870A86612}"/>
-              </a:ext>
-            </a:extLst>
-          </p:cNvPr>
-          <p:cNvSpPr txBox="1"/>
+          <p:cNvPr id="9" name="Rectangle 26"/>
+          <p:cNvSpPr txBox="1">
+            <a:spLocks noChangeArrowheads="1"/>
+          </p:cNvSpPr>
           <p:nvPr/>
         </p:nvSpPr>
-        <p:spPr>
+        <p:spPr bwMode="auto">
           <a:xfrm>
-            <a:off x="3659407" y="5904888"/>
-            <a:ext cx="4873186" cy="389530"/>
+            <a:off x="3719830" y="1196340"/>
+            <a:ext cx="5699125" cy="4464685"/>
           </a:xfrm>
           <a:prstGeom prst="rect">
             <a:avLst/>
           </a:prstGeom>
-          <a:solidFill>
-            <a:prstClr val="white"/>
-          </a:solidFill>
-          <a:ln>
+          <a:noFill/>
+          <a:ln w="9525">
             <a:noFill/>
+            <a:miter lim="800000"/>
           </a:ln>
+          <a:effectLst/>
         </p:spPr>
         <p:txBody>
-          <a:bodyPr rot="0" spcFirstLastPara="0" vert="horz" wrap="square" lIns="0" tIns="0" rIns="0" bIns="0" numCol="1" spcCol="0" rtlCol="0" fromWordArt="0" anchor="t" anchorCtr="0" forceAA="0" compatLnSpc="1">
-            <a:prstTxWarp prst="textNoShape">
-              <a:avLst/>
-            </a:prstTxWarp>
-            <a:spAutoFit/>
-          </a:bodyPr>
-          <a:lstStyle/>
-          <a:p>
-            <a:pPr algn="ctr">
+          <a:bodyPr/>
+          <a:lstStyle>
+            <a:lvl1pPr marL="533400" indent="-533400" eaLnBrk="0" hangingPunct="0">
+              <a:defRPr>
+                <a:solidFill>
+                  <a:schemeClr val="tx1"/>
+                </a:solidFill>
+                <a:latin typeface="Arial" panose="020B0604020202020204" pitchFamily="34" charset="0"/>
+                <a:ea typeface="宋体" panose="02010600030101010101" pitchFamily="2" charset="-122"/>
+              </a:defRPr>
+            </a:lvl1pPr>
+            <a:lvl2pPr marL="742950" indent="-285750" eaLnBrk="0" hangingPunct="0">
+              <a:defRPr>
+                <a:solidFill>
+                  <a:schemeClr val="tx1"/>
+                </a:solidFill>
+                <a:latin typeface="Arial" panose="020B0604020202020204" pitchFamily="34" charset="0"/>
+                <a:ea typeface="宋体" panose="02010600030101010101" pitchFamily="2" charset="-122"/>
+              </a:defRPr>
+            </a:lvl2pPr>
+            <a:lvl3pPr marL="1143000" indent="-228600" eaLnBrk="0" hangingPunct="0">
+              <a:defRPr>
+                <a:solidFill>
+                  <a:schemeClr val="tx1"/>
+                </a:solidFill>
+                <a:latin typeface="Arial" panose="020B0604020202020204" pitchFamily="34" charset="0"/>
+                <a:ea typeface="宋体" panose="02010600030101010101" pitchFamily="2" charset="-122"/>
+              </a:defRPr>
+            </a:lvl3pPr>
+            <a:lvl4pPr marL="1600200" indent="-228600" eaLnBrk="0" hangingPunct="0">
+              <a:defRPr>
+                <a:solidFill>
+                  <a:schemeClr val="tx1"/>
+                </a:solidFill>
+                <a:latin typeface="Arial" panose="020B0604020202020204" pitchFamily="34" charset="0"/>
+                <a:ea typeface="宋体" panose="02010600030101010101" pitchFamily="2" charset="-122"/>
+              </a:defRPr>
+            </a:lvl4pPr>
+            <a:lvl5pPr marL="2057400" indent="-228600" eaLnBrk="0" hangingPunct="0">
+              <a:defRPr>
+                <a:solidFill>
+                  <a:schemeClr val="tx1"/>
+                </a:solidFill>
+                <a:latin typeface="Arial" panose="020B0604020202020204" pitchFamily="34" charset="0"/>
+                <a:ea typeface="宋体" panose="02010600030101010101" pitchFamily="2" charset="-122"/>
+              </a:defRPr>
+            </a:lvl5pPr>
+            <a:lvl6pPr marL="2514600" indent="-228600" eaLnBrk="0" fontAlgn="base" hangingPunct="0">
+              <a:spcBef>
+                <a:spcPct val="0"/>
+              </a:spcBef>
+              <a:spcAft>
+                <a:spcPct val="0"/>
+              </a:spcAft>
+              <a:defRPr>
+                <a:solidFill>
+                  <a:schemeClr val="tx1"/>
+                </a:solidFill>
+                <a:latin typeface="Arial" panose="020B0604020202020204" pitchFamily="34" charset="0"/>
+                <a:ea typeface="宋体" panose="02010600030101010101" pitchFamily="2" charset="-122"/>
+              </a:defRPr>
+            </a:lvl6pPr>
+            <a:lvl7pPr marL="2971800" indent="-228600" eaLnBrk="0" fontAlgn="base" hangingPunct="0">
+              <a:spcBef>
+                <a:spcPct val="0"/>
+              </a:spcBef>
+              <a:spcAft>
+                <a:spcPct val="0"/>
+              </a:spcAft>
+              <a:defRPr>
+                <a:solidFill>
+                  <a:schemeClr val="tx1"/>
+                </a:solidFill>
+                <a:latin typeface="Arial" panose="020B0604020202020204" pitchFamily="34" charset="0"/>
+                <a:ea typeface="宋体" panose="02010600030101010101" pitchFamily="2" charset="-122"/>
+              </a:defRPr>
+            </a:lvl7pPr>
+            <a:lvl8pPr marL="3429000" indent="-228600" eaLnBrk="0" fontAlgn="base" hangingPunct="0">
+              <a:spcBef>
+                <a:spcPct val="0"/>
+              </a:spcBef>
+              <a:spcAft>
+                <a:spcPct val="0"/>
+              </a:spcAft>
+              <a:defRPr>
+                <a:solidFill>
+                  <a:schemeClr val="tx1"/>
+                </a:solidFill>
+                <a:latin typeface="Arial" panose="020B0604020202020204" pitchFamily="34" charset="0"/>
+                <a:ea typeface="宋体" panose="02010600030101010101" pitchFamily="2" charset="-122"/>
+              </a:defRPr>
+            </a:lvl8pPr>
+            <a:lvl9pPr marL="3886200" indent="-228600" eaLnBrk="0" fontAlgn="base" hangingPunct="0">
+              <a:spcBef>
+                <a:spcPct val="0"/>
+              </a:spcBef>
+              <a:spcAft>
+                <a:spcPct val="0"/>
+              </a:spcAft>
+              <a:defRPr>
+                <a:solidFill>
+                  <a:schemeClr val="tx1"/>
+                </a:solidFill>
+                <a:latin typeface="Arial" panose="020B0604020202020204" pitchFamily="34" charset="0"/>
+                <a:ea typeface="宋体" panose="02010600030101010101" pitchFamily="2" charset="-122"/>
+              </a:defRPr>
+            </a:lvl9pPr>
+          </a:lstStyle>
+          <a:p>
+            <a:pPr marL="0" marR="0" lvl="0" indent="0" defTabSz="914400" rtl="0" eaLnBrk="0" fontAlgn="base" latinLnBrk="0" hangingPunct="0">
               <a:lnSpc>
                 <a:spcPct val="150000"/>
               </a:lnSpc>
+              <a:spcBef>
+                <a:spcPct val="0"/>
+              </a:spcBef>
+              <a:spcAft>
+                <a:spcPct val="50000"/>
+              </a:spcAft>
+              <a:buClrTx/>
+              <a:buSzTx/>
+              <a:buFontTx/>
+              <a:buNone/>
+              <a:defRPr/>
             </a:pPr>
             <a:r>
-              <a:rPr lang="zh-CN" sz="2000" kern="100" dirty="0">
+              <a:rPr kumimoji="0" lang="zh-CN" altLang="en-US" sz="3800" b="1" i="0" u="none" strike="noStrike" kern="1200" cap="none" spc="0" normalizeH="0" baseline="0" noProof="0" dirty="0">
+                <a:ln>
+                  <a:noFill/>
+                </a:ln>
                 <a:effectLst/>
-                <a:latin typeface="+mn-ea"/>
-                <a:ea typeface="+mn-ea"/>
-                <a:cs typeface="SimSun" panose="02010600030101010101" pitchFamily="2" charset="-122"/>
+                <a:uLnTx/>
+                <a:uFillTx/>
+                <a:latin typeface="Times New Roman" panose="02020603050405020304" pitchFamily="18" charset="0"/>
+                <a:ea typeface="黑体" panose="02010609060101010101" pitchFamily="2" charset="-122"/>
+                <a:cs typeface="+mn-cs"/>
               </a:rPr>
-              <a:t>外加虚拟控制柄的两种代表方法</a:t>
-            </a:r>
-            <a:endParaRPr lang="en-CN" sz="2000" kern="100" dirty="0">
+              <a:t>一、研究背景</a:t>
+            </a:r>
+            <a:endParaRPr kumimoji="0" lang="en-US" altLang="zh-CN" sz="3800" b="1" i="0" u="none" strike="noStrike" kern="1200" cap="none" spc="0" normalizeH="0" baseline="0" noProof="0" dirty="0">
+              <a:ln>
+                <a:noFill/>
+              </a:ln>
               <a:effectLst/>
-              <a:latin typeface="+mn-ea"/>
-              <a:ea typeface="+mn-ea"/>
-              <a:cs typeface="SimSun" panose="02010600030101010101" pitchFamily="2" charset="-122"/>
+              <a:uLnTx/>
+              <a:uFillTx/>
+              <a:latin typeface="Times New Roman" panose="02020603050405020304" pitchFamily="18" charset="0"/>
+              <a:ea typeface="黑体" panose="02010609060101010101" pitchFamily="2" charset="-122"/>
+              <a:cs typeface="+mn-cs"/>
             </a:endParaRPr>
+          </a:p>
+          <a:p>
+            <a:pPr marL="0" indent="0">
+              <a:lnSpc>
+                <a:spcPct val="150000"/>
+              </a:lnSpc>
+              <a:spcAft>
+                <a:spcPct val="50000"/>
+              </a:spcAft>
+              <a:defRPr/>
+            </a:pPr>
+            <a:r>
+              <a:rPr lang="zh-CN" altLang="en-US" sz="3800" b="1" dirty="0">
+                <a:solidFill>
+                  <a:srgbClr val="000000"/>
+                </a:solidFill>
+                <a:latin typeface="Times New Roman" panose="02020603050405020304" pitchFamily="18" charset="0"/>
+                <a:ea typeface="黑体" panose="02010609060101010101" pitchFamily="2" charset="-122"/>
+              </a:rPr>
+              <a:t>二、研究现状</a:t>
+            </a:r>
+            <a:endParaRPr lang="en-US" altLang="zh-CN" sz="3800" b="1" dirty="0">
+              <a:solidFill>
+                <a:srgbClr val="000000"/>
+              </a:solidFill>
+              <a:latin typeface="Times New Roman" panose="02020603050405020304" pitchFamily="18" charset="0"/>
+              <a:ea typeface="黑体" panose="02010609060101010101" pitchFamily="2" charset="-122"/>
+            </a:endParaRPr>
+          </a:p>
+          <a:p>
+            <a:pPr marL="0" indent="0">
+              <a:lnSpc>
+                <a:spcPct val="150000"/>
+              </a:lnSpc>
+              <a:spcAft>
+                <a:spcPct val="50000"/>
+              </a:spcAft>
+              <a:defRPr/>
+            </a:pPr>
+            <a:r>
+              <a:rPr lang="zh-CN" altLang="en-US" sz="3800" b="1" dirty="0">
+                <a:solidFill>
+                  <a:schemeClr val="accent3"/>
+                </a:solidFill>
+                <a:latin typeface="Times New Roman" panose="02020603050405020304" pitchFamily="18" charset="0"/>
+                <a:ea typeface="黑体" panose="02010609060101010101" pitchFamily="2" charset="-122"/>
+              </a:rPr>
+              <a:t>三、研究内容与技术路线</a:t>
+            </a:r>
+            <a:endParaRPr lang="en-US" altLang="zh-CN" sz="3800" b="1" dirty="0">
+              <a:solidFill>
+                <a:schemeClr val="accent3"/>
+              </a:solidFill>
+              <a:latin typeface="Times New Roman" panose="02020603050405020304" pitchFamily="18" charset="0"/>
+              <a:ea typeface="黑体" panose="02010609060101010101" pitchFamily="2" charset="-122"/>
+            </a:endParaRPr>
+          </a:p>
+          <a:p>
+            <a:pPr marL="0" lvl="0" indent="0">
+              <a:lnSpc>
+                <a:spcPct val="150000"/>
+              </a:lnSpc>
+              <a:spcAft>
+                <a:spcPct val="50000"/>
+              </a:spcAft>
+              <a:defRPr/>
+            </a:pPr>
+            <a:r>
+              <a:rPr lang="zh-CN" altLang="en-US" sz="3800" b="1" dirty="0">
+                <a:solidFill>
+                  <a:srgbClr val="000000"/>
+                </a:solidFill>
+                <a:latin typeface="Times New Roman" panose="02020603050405020304" pitchFamily="18" charset="0"/>
+                <a:ea typeface="黑体" panose="02010609060101010101" pitchFamily="2" charset="-122"/>
+              </a:rPr>
+              <a:t>四、研究计划</a:t>
+            </a:r>
           </a:p>
         </p:txBody>
       </p:sp>
     </p:spTree>
-    <p:extLst>
-      <p:ext uri="{BB962C8B-B14F-4D97-AF65-F5344CB8AC3E}">
-        <p14:creationId xmlns:p14="http://schemas.microsoft.com/office/powerpoint/2010/main" val="1975866315"/>
-      </p:ext>
-    </p:extLst>
   </p:cSld>
   <p:clrMapOvr>
     <a:masterClrMapping/>
@@ -16197,12 +14153,18 @@
           <a:p>
             <a:r>
               <a:rPr lang="zh-CN" altLang="en-US" dirty="0"/>
-              <a:t>研究现状</a:t>
-            </a:r>
-            <a:r>
-              <a:rPr lang="en-US" altLang="zh-CN" dirty="0"/>
-              <a:t>	</a:t>
-            </a:r>
+              <a:t>研究内容</a:t>
+            </a:r>
+            <a:endParaRPr lang="en-US" altLang="zh-CN" dirty="0"/>
+          </a:p>
+          <a:p>
+            <a:pPr marL="0" indent="0">
+              <a:lnSpc>
+                <a:spcPct val="150000"/>
+              </a:lnSpc>
+              <a:buNone/>
+            </a:pPr>
+            <a:endParaRPr lang="en-US" altLang="zh-CN" dirty="0"/>
           </a:p>
         </p:txBody>
       </p:sp>
@@ -16223,348 +14185,17 @@
           <a:p>
             <a:r>
               <a:rPr lang="zh-CN" altLang="en-US" dirty="0"/>
-              <a:t>二、研究现状</a:t>
+              <a:t>三、研究内容</a:t>
             </a:r>
           </a:p>
         </p:txBody>
       </p:sp>
-      <p:grpSp>
-        <p:nvGrpSpPr>
-          <p:cNvPr id="15" name="组合 35">
+      <p:sp>
+        <p:nvSpPr>
+          <p:cNvPr id="10" name="TextBox 9">
             <a:extLst>
               <a:ext uri="{FF2B5EF4-FFF2-40B4-BE49-F238E27FC236}">
-                <a16:creationId xmlns:a16="http://schemas.microsoft.com/office/drawing/2014/main" id="{FB6F5D08-4BF0-A609-4DAB-D919D2B154CB}"/>
-              </a:ext>
-            </a:extLst>
-          </p:cNvPr>
-          <p:cNvGrpSpPr/>
-          <p:nvPr/>
-        </p:nvGrpSpPr>
-        <p:grpSpPr>
-          <a:xfrm>
-            <a:off x="821974" y="2132856"/>
-            <a:ext cx="10548052" cy="2880320"/>
-            <a:chOff x="0" y="0"/>
-            <a:chExt cx="5541381" cy="1513064"/>
-          </a:xfrm>
-        </p:grpSpPr>
-        <p:grpSp>
-          <p:nvGrpSpPr>
-            <p:cNvPr id="17" name="组合 32">
-              <a:extLst>
-                <a:ext uri="{FF2B5EF4-FFF2-40B4-BE49-F238E27FC236}">
-                  <a16:creationId xmlns:a16="http://schemas.microsoft.com/office/drawing/2014/main" id="{A17F25A3-3D4E-445F-561C-A47DF84A57E9}"/>
-                </a:ext>
-              </a:extLst>
-            </p:cNvPr>
-            <p:cNvGrpSpPr/>
-            <p:nvPr/>
-          </p:nvGrpSpPr>
-          <p:grpSpPr>
-            <a:xfrm>
-              <a:off x="0" y="0"/>
-              <a:ext cx="2696210" cy="1504409"/>
-              <a:chOff x="0" y="0"/>
-              <a:chExt cx="2696210" cy="1504409"/>
-            </a:xfrm>
-          </p:grpSpPr>
-          <p:pic>
-            <p:nvPicPr>
-              <p:cNvPr id="23" name="图片 26">
-                <a:extLst>
-                  <a:ext uri="{FF2B5EF4-FFF2-40B4-BE49-F238E27FC236}">
-                    <a16:creationId xmlns:a16="http://schemas.microsoft.com/office/drawing/2014/main" id="{CE9343C9-2DC1-23C2-AB60-D521977899AA}"/>
-                  </a:ext>
-                </a:extLst>
-              </p:cNvPr>
-              <p:cNvPicPr>
-                <a:picLocks noChangeAspect="1"/>
-              </p:cNvPicPr>
-              <p:nvPr/>
-            </p:nvPicPr>
-            <p:blipFill>
-              <a:blip r:embed="rId3">
-                <a:extLst>
-                  <a:ext uri="{28A0092B-C50C-407E-A947-70E740481C1C}">
-                    <a14:useLocalDpi xmlns:a14="http://schemas.microsoft.com/office/drawing/2010/main" val="0"/>
-                  </a:ext>
-                </a:extLst>
-              </a:blip>
-              <a:srcRect/>
-              <a:stretch>
-                <a:fillRect/>
-              </a:stretch>
-            </p:blipFill>
-            <p:spPr bwMode="auto">
-              <a:xfrm>
-                <a:off x="0" y="0"/>
-                <a:ext cx="2696210" cy="1230630"/>
-              </a:xfrm>
-              <a:prstGeom prst="rect">
-                <a:avLst/>
-              </a:prstGeom>
-              <a:noFill/>
-              <a:ln>
-                <a:noFill/>
-              </a:ln>
-            </p:spPr>
-          </p:pic>
-          <p:sp>
-            <p:nvSpPr>
-              <p:cNvPr id="24" name="文本框 30">
-                <a:extLst>
-                  <a:ext uri="{FF2B5EF4-FFF2-40B4-BE49-F238E27FC236}">
-                    <a16:creationId xmlns:a16="http://schemas.microsoft.com/office/drawing/2014/main" id="{F3D60480-FE56-A419-B052-4670E5A5286C}"/>
-                  </a:ext>
-                </a:extLst>
-              </p:cNvPr>
-              <p:cNvSpPr txBox="1"/>
-              <p:nvPr/>
-            </p:nvSpPr>
-            <p:spPr>
-              <a:xfrm>
-                <a:off x="0" y="1292963"/>
-                <a:ext cx="2696210" cy="211446"/>
-              </a:xfrm>
-              <a:prstGeom prst="rect">
-                <a:avLst/>
-              </a:prstGeom>
-              <a:solidFill>
-                <a:prstClr val="white"/>
-              </a:solidFill>
-              <a:ln>
-                <a:noFill/>
-              </a:ln>
-            </p:spPr>
-            <p:txBody>
-              <a:bodyPr rot="0" spcFirstLastPara="0" vert="horz" wrap="square" lIns="0" tIns="0" rIns="0" bIns="0" numCol="1" spcCol="0" rtlCol="0" fromWordArt="0" anchor="t" anchorCtr="0" forceAA="0" compatLnSpc="1">
-                <a:prstTxWarp prst="textNoShape">
-                  <a:avLst/>
-                </a:prstTxWarp>
-                <a:spAutoFit/>
-              </a:bodyPr>
-              <a:lstStyle/>
-              <a:p>
-                <a:pPr algn="ctr">
-                  <a:lnSpc>
-                    <a:spcPct val="150000"/>
-                  </a:lnSpc>
-                </a:pPr>
-                <a:r>
-                  <a:rPr lang="en-US" kern="100" dirty="0" err="1">
-                    <a:effectLst/>
-                    <a:latin typeface="+mn-ea"/>
-                    <a:ea typeface="+mn-ea"/>
-                    <a:cs typeface="SimSun" panose="02010600030101010101" pitchFamily="2" charset="-122"/>
-                  </a:rPr>
-                  <a:t>LTouchIt</a:t>
-                </a:r>
-                <a:endParaRPr lang="en-CN" kern="100" dirty="0">
-                  <a:effectLst/>
-                  <a:latin typeface="+mn-ea"/>
-                  <a:ea typeface="+mn-ea"/>
-                  <a:cs typeface="SimSun" panose="02010600030101010101" pitchFamily="2" charset="-122"/>
-                </a:endParaRPr>
-              </a:p>
-            </p:txBody>
-          </p:sp>
-        </p:grpSp>
-        <p:grpSp>
-          <p:nvGrpSpPr>
-            <p:cNvPr id="18" name="组合 34">
-              <a:extLst>
-                <a:ext uri="{FF2B5EF4-FFF2-40B4-BE49-F238E27FC236}">
-                  <a16:creationId xmlns:a16="http://schemas.microsoft.com/office/drawing/2014/main" id="{A445E352-C0A8-CBBC-895E-34813BF0C3EC}"/>
-                </a:ext>
-              </a:extLst>
-            </p:cNvPr>
-            <p:cNvGrpSpPr/>
-            <p:nvPr/>
-          </p:nvGrpSpPr>
-          <p:grpSpPr>
-            <a:xfrm>
-              <a:off x="2751090" y="8627"/>
-              <a:ext cx="2790291" cy="1504437"/>
-              <a:chOff x="-736" y="0"/>
-              <a:chExt cx="2790291" cy="1504437"/>
-            </a:xfrm>
-          </p:grpSpPr>
-          <p:grpSp>
-            <p:nvGrpSpPr>
-              <p:cNvPr id="19" name="组合 29">
-                <a:extLst>
-                  <a:ext uri="{FF2B5EF4-FFF2-40B4-BE49-F238E27FC236}">
-                    <a16:creationId xmlns:a16="http://schemas.microsoft.com/office/drawing/2014/main" id="{6F545420-F56B-B304-FC2B-2395D3C5E6CB}"/>
-                  </a:ext>
-                </a:extLst>
-              </p:cNvPr>
-              <p:cNvGrpSpPr/>
-              <p:nvPr/>
-            </p:nvGrpSpPr>
-            <p:grpSpPr>
-              <a:xfrm>
-                <a:off x="0" y="0"/>
-                <a:ext cx="2789555" cy="1231901"/>
-                <a:chOff x="0" y="0"/>
-                <a:chExt cx="2789882" cy="1232384"/>
-              </a:xfrm>
-            </p:grpSpPr>
-            <p:pic>
-              <p:nvPicPr>
-                <p:cNvPr id="21" name="图片 28" descr="图片包含 游戏机, 钟表, 对, 桌子&#10;&#10;描述已自动生成">
-                  <a:extLst>
-                    <a:ext uri="{FF2B5EF4-FFF2-40B4-BE49-F238E27FC236}">
-                      <a16:creationId xmlns:a16="http://schemas.microsoft.com/office/drawing/2014/main" id="{4DDEB05C-4F28-F2DE-E4B5-933AF6C867FD}"/>
-                    </a:ext>
-                  </a:extLst>
-                </p:cNvPr>
-                <p:cNvPicPr>
-                  <a:picLocks noChangeAspect="1"/>
-                </p:cNvPicPr>
-                <p:nvPr/>
-              </p:nvPicPr>
-              <p:blipFill rotWithShape="1">
-                <a:blip r:embed="rId4">
-                  <a:extLst>
-                    <a:ext uri="{28A0092B-C50C-407E-A947-70E740481C1C}">
-                      <a14:useLocalDpi xmlns:a14="http://schemas.microsoft.com/office/drawing/2010/main" val="0"/>
-                    </a:ext>
-                  </a:extLst>
-                </a:blip>
-                <a:srcRect t="4435" b="2388"/>
-                <a:stretch/>
-              </p:blipFill>
-              <p:spPr bwMode="auto">
-                <a:xfrm>
-                  <a:off x="0" y="0"/>
-                  <a:ext cx="2778760" cy="596900"/>
-                </a:xfrm>
-                <a:prstGeom prst="rect">
-                  <a:avLst/>
-                </a:prstGeom>
-                <a:noFill/>
-                <a:ln>
-                  <a:noFill/>
-                </a:ln>
-                <a:extLst>
-                  <a:ext uri="{53640926-AAD7-44D8-BBD7-CCE9431645EC}">
-                    <a14:shadowObscured xmlns:a14="http://schemas.microsoft.com/office/drawing/2010/main"/>
-                  </a:ext>
-                </a:extLst>
-              </p:spPr>
-            </p:pic>
-            <p:pic>
-              <p:nvPicPr>
-                <p:cNvPr id="22" name="图片 27" descr="图片包含 图形用户界面&#10;&#10;描述已自动生成">
-                  <a:extLst>
-                    <a:ext uri="{FF2B5EF4-FFF2-40B4-BE49-F238E27FC236}">
-                      <a16:creationId xmlns:a16="http://schemas.microsoft.com/office/drawing/2014/main" id="{B6A32615-3368-7133-6CC6-B7630B23E497}"/>
-                    </a:ext>
-                  </a:extLst>
-                </p:cNvPr>
-                <p:cNvPicPr>
-                  <a:picLocks noChangeAspect="1"/>
-                </p:cNvPicPr>
-                <p:nvPr/>
-              </p:nvPicPr>
-              <p:blipFill rotWithShape="1">
-                <a:blip r:embed="rId5">
-                  <a:extLst>
-                    <a:ext uri="{28A0092B-C50C-407E-A947-70E740481C1C}">
-                      <a14:useLocalDpi xmlns:a14="http://schemas.microsoft.com/office/drawing/2010/main" val="0"/>
-                    </a:ext>
-                  </a:extLst>
-                </a:blip>
-                <a:srcRect t="1677" b="1655"/>
-                <a:stretch/>
-              </p:blipFill>
-              <p:spPr bwMode="auto">
-                <a:xfrm>
-                  <a:off x="18107" y="624689"/>
-                  <a:ext cx="2771775" cy="607695"/>
-                </a:xfrm>
-                <a:prstGeom prst="rect">
-                  <a:avLst/>
-                </a:prstGeom>
-                <a:noFill/>
-                <a:ln>
-                  <a:noFill/>
-                </a:ln>
-                <a:extLst>
-                  <a:ext uri="{53640926-AAD7-44D8-BBD7-CCE9431645EC}">
-                    <a14:shadowObscured xmlns:a14="http://schemas.microsoft.com/office/drawing/2010/main"/>
-                  </a:ext>
-                </a:extLst>
-              </p:spPr>
-            </p:pic>
-          </p:grpSp>
-          <p:sp>
-            <p:nvSpPr>
-              <p:cNvPr id="20" name="文本框 33">
-                <a:extLst>
-                  <a:ext uri="{FF2B5EF4-FFF2-40B4-BE49-F238E27FC236}">
-                    <a16:creationId xmlns:a16="http://schemas.microsoft.com/office/drawing/2014/main" id="{C8A97466-69A4-198E-E1FF-A2AA3A727F49}"/>
-                  </a:ext>
-                </a:extLst>
-              </p:cNvPr>
-              <p:cNvSpPr txBox="1"/>
-              <p:nvPr/>
-            </p:nvSpPr>
-            <p:spPr>
-              <a:xfrm>
-                <a:off x="-736" y="1292991"/>
-                <a:ext cx="2788920" cy="211446"/>
-              </a:xfrm>
-              <a:prstGeom prst="rect">
-                <a:avLst/>
-              </a:prstGeom>
-              <a:solidFill>
-                <a:prstClr val="white"/>
-              </a:solidFill>
-              <a:ln>
-                <a:noFill/>
-              </a:ln>
-            </p:spPr>
-            <p:txBody>
-              <a:bodyPr rot="0" spcFirstLastPara="0" vert="horz" wrap="square" lIns="0" tIns="0" rIns="0" bIns="0" numCol="1" spcCol="0" rtlCol="0" fromWordArt="0" anchor="t" anchorCtr="0" forceAA="0" compatLnSpc="1">
-                <a:prstTxWarp prst="textNoShape">
-                  <a:avLst/>
-                </a:prstTxWarp>
-                <a:spAutoFit/>
-              </a:bodyPr>
-              <a:lstStyle/>
-              <a:p>
-                <a:pPr algn="ctr">
-                  <a:lnSpc>
-                    <a:spcPct val="150000"/>
-                  </a:lnSpc>
-                </a:pPr>
-                <a:r>
-                  <a:rPr lang="zh-CN" kern="100" dirty="0">
-                    <a:effectLst/>
-                    <a:latin typeface="+mn-ea"/>
-                    <a:ea typeface="+mn-ea"/>
-                    <a:cs typeface="SimSun" panose="02010600030101010101" pitchFamily="2" charset="-122"/>
-                  </a:rPr>
-                  <a:t>多点触控方法</a:t>
-                </a:r>
-                <a:endParaRPr lang="en-CN" kern="100" dirty="0">
-                  <a:effectLst/>
-                  <a:latin typeface="+mn-ea"/>
-                  <a:ea typeface="+mn-ea"/>
-                  <a:cs typeface="SimSun" panose="02010600030101010101" pitchFamily="2" charset="-122"/>
-                </a:endParaRPr>
-              </a:p>
-            </p:txBody>
-          </p:sp>
-        </p:grpSp>
-      </p:grpSp>
-      <p:sp>
-        <p:nvSpPr>
-          <p:cNvPr id="16" name="文本框 36">
-            <a:extLst>
-              <a:ext uri="{FF2B5EF4-FFF2-40B4-BE49-F238E27FC236}">
-                <a16:creationId xmlns:a16="http://schemas.microsoft.com/office/drawing/2014/main" id="{30DD61EC-BD67-2415-45B2-8F290C83FEAE}"/>
+                <a16:creationId xmlns:a16="http://schemas.microsoft.com/office/drawing/2014/main" id="{4EC68388-4D3D-D1C4-8D0C-A6CF9B345776}"/>
               </a:ext>
             </a:extLst>
           </p:cNvPr>
@@ -16573,35 +14204,31 @@
         </p:nvSpPr>
         <p:spPr>
           <a:xfrm>
-            <a:off x="1504298" y="5565304"/>
-            <a:ext cx="9183404" cy="307777"/>
+            <a:off x="996154" y="1484784"/>
+            <a:ext cx="10153128" cy="2454299"/>
           </a:xfrm>
           <a:prstGeom prst="rect">
             <a:avLst/>
           </a:prstGeom>
           <a:solidFill>
-            <a:prstClr val="white"/>
+            <a:schemeClr val="accent5">
+              <a:lumMod val="20000"/>
+              <a:lumOff val="80000"/>
+            </a:schemeClr>
           </a:solidFill>
-          <a:ln>
-            <a:noFill/>
-          </a:ln>
         </p:spPr>
         <p:txBody>
-          <a:bodyPr rot="0" spcFirstLastPara="0" vert="horz" wrap="square" lIns="0" tIns="0" rIns="0" bIns="0" numCol="1" spcCol="0" rtlCol="0" fromWordArt="0" anchor="t" anchorCtr="0" forceAA="0" compatLnSpc="1">
-            <a:prstTxWarp prst="textNoShape">
-              <a:avLst/>
-            </a:prstTxWarp>
+          <a:bodyPr wrap="square" lIns="108000" tIns="108000" rIns="108000" bIns="108000">
             <a:spAutoFit/>
           </a:bodyPr>
           <a:lstStyle/>
           <a:p>
-            <a:pPr algn="ctr">
-              <a:spcBef>
-                <a:spcPts val="760"/>
-              </a:spcBef>
-              <a:spcAft>
-                <a:spcPts val="800"/>
-              </a:spcAft>
+            <a:pPr marL="514350" indent="-514350" algn="just">
+              <a:lnSpc>
+                <a:spcPct val="150000"/>
+              </a:lnSpc>
+              <a:buFont typeface="+mj-lt"/>
+              <a:buAutoNum type="romanLcPeriod"/>
             </a:pPr>
             <a:r>
               <a:rPr lang="zh-CN" sz="2000" kern="100" dirty="0">
@@ -16610,23 +14237,134 @@
                 <a:ea typeface="+mn-ea"/>
                 <a:cs typeface="SimSun" panose="02010600030101010101" pitchFamily="2" charset="-122"/>
               </a:rPr>
-              <a:t>两种基于手部动作（含手柄）追踪的非直接对象操纵方法</a:t>
-            </a:r>
-            <a:endParaRPr lang="en-CN" sz="2000" kern="100" dirty="0">
-              <a:effectLst/>
+              <a:t>确定针对操纵速度、准确度和使用负担的评估指标；</a:t>
+            </a:r>
+            <a:endParaRPr lang="en-US" altLang="zh-CN" sz="2000" kern="100" dirty="0">
               <a:latin typeface="+mn-ea"/>
               <a:ea typeface="+mn-ea"/>
               <a:cs typeface="SimSun" panose="02010600030101010101" pitchFamily="2" charset="-122"/>
             </a:endParaRPr>
           </a:p>
+          <a:p>
+            <a:pPr marL="514350" indent="-514350" algn="just">
+              <a:lnSpc>
+                <a:spcPct val="150000"/>
+              </a:lnSpc>
+              <a:buFont typeface="+mj-lt"/>
+              <a:buAutoNum type="romanLcPeriod"/>
+            </a:pPr>
+            <a:r>
+              <a:rPr lang="zh-CN" sz="2000" kern="100" dirty="0">
+                <a:effectLst/>
+                <a:latin typeface="+mn-ea"/>
+                <a:ea typeface="+mn-ea"/>
+                <a:cs typeface="SimSun" panose="02010600030101010101" pitchFamily="2" charset="-122"/>
+              </a:rPr>
+              <a:t>探索比较多种头眼协同交互方法；</a:t>
+            </a:r>
+            <a:endParaRPr lang="en-US" altLang="zh-CN" sz="2000" kern="100" dirty="0">
+              <a:latin typeface="+mn-ea"/>
+              <a:ea typeface="+mn-ea"/>
+              <a:cs typeface="SimSun" panose="02010600030101010101" pitchFamily="2" charset="-122"/>
+            </a:endParaRPr>
+          </a:p>
+          <a:p>
+            <a:pPr marL="514350" indent="-514350" algn="just">
+              <a:lnSpc>
+                <a:spcPct val="150000"/>
+              </a:lnSpc>
+              <a:buFont typeface="+mj-lt"/>
+              <a:buAutoNum type="romanLcPeriod"/>
+            </a:pPr>
+            <a:r>
+              <a:rPr lang="zh-CN" sz="2000" kern="100" dirty="0">
+                <a:effectLst/>
+                <a:latin typeface="+mn-ea"/>
+                <a:ea typeface="+mn-ea"/>
+                <a:cs typeface="SimSun" panose="02010600030101010101" pitchFamily="2" charset="-122"/>
+              </a:rPr>
+              <a:t>确定一套高效易用的基于头眼协同的虚拟现实对象操纵方法，支持操纵对象位移、旋转和缩放；</a:t>
+            </a:r>
+            <a:endParaRPr lang="en-US" altLang="zh-CN" sz="2000" kern="100" dirty="0">
+              <a:latin typeface="+mn-ea"/>
+              <a:ea typeface="+mn-ea"/>
+              <a:cs typeface="SimSun" panose="02010600030101010101" pitchFamily="2" charset="-122"/>
+            </a:endParaRPr>
+          </a:p>
+          <a:p>
+            <a:pPr marL="514350" indent="-514350" algn="just">
+              <a:lnSpc>
+                <a:spcPct val="150000"/>
+              </a:lnSpc>
+              <a:buFont typeface="+mj-lt"/>
+              <a:buAutoNum type="romanLcPeriod"/>
+            </a:pPr>
+            <a:r>
+              <a:rPr lang="zh-CN" sz="2000" kern="100" dirty="0">
+                <a:effectLst/>
+                <a:latin typeface="+mn-ea"/>
+                <a:ea typeface="+mn-ea"/>
+                <a:cs typeface="SimSun" panose="02010600030101010101" pitchFamily="2" charset="-122"/>
+              </a:rPr>
+              <a:t>根据评估指标对比目前国际一流方法（</a:t>
+            </a:r>
+            <a:r>
+              <a:rPr lang="en-US" sz="2000" kern="100" dirty="0">
+                <a:effectLst/>
+                <a:latin typeface="+mn-ea"/>
+                <a:ea typeface="+mn-ea"/>
+                <a:cs typeface="SimSun" panose="02010600030101010101" pitchFamily="2" charset="-122"/>
+              </a:rPr>
+              <a:t>baseline</a:t>
+            </a:r>
+            <a:r>
+              <a:rPr lang="zh-CN" sz="2000" kern="100" dirty="0">
+                <a:effectLst/>
+                <a:latin typeface="+mn-ea"/>
+                <a:ea typeface="+mn-ea"/>
+                <a:cs typeface="SimSun" panose="02010600030101010101" pitchFamily="2" charset="-122"/>
+              </a:rPr>
+              <a:t>）并作结果分析。</a:t>
+            </a:r>
+            <a:endParaRPr lang="en-CN" sz="1600" kern="100" dirty="0">
+              <a:effectLst/>
+              <a:latin typeface="+mn-ea"/>
+              <a:ea typeface="+mn-ea"/>
+            </a:endParaRPr>
+          </a:p>
         </p:txBody>
       </p:sp>
+      <p:pic>
+        <p:nvPicPr>
+          <p:cNvPr id="5" name="Picture 4" descr="A picture containing graphical user interface&#10;&#10;Description automatically generated">
+            <a:extLst>
+              <a:ext uri="{FF2B5EF4-FFF2-40B4-BE49-F238E27FC236}">
+                <a16:creationId xmlns:a16="http://schemas.microsoft.com/office/drawing/2014/main" id="{64444331-747C-7CA9-51E3-C30B9BB84B18}"/>
+              </a:ext>
+            </a:extLst>
+          </p:cNvPr>
+          <p:cNvPicPr>
+            <a:picLocks noChangeAspect="1"/>
+          </p:cNvPicPr>
+          <p:nvPr/>
+        </p:nvPicPr>
+        <p:blipFill>
+          <a:blip r:embed="rId3"/>
+          <a:stretch>
+            <a:fillRect/>
+          </a:stretch>
+        </p:blipFill>
+        <p:spPr>
+          <a:xfrm>
+            <a:off x="539688" y="4437112"/>
+            <a:ext cx="11112624" cy="1852104"/>
+          </a:xfrm>
+          <a:prstGeom prst="rect">
+            <a:avLst/>
+          </a:prstGeom>
+        </p:spPr>
+      </p:pic>
     </p:spTree>
-    <p:extLst>
-      <p:ext uri="{BB962C8B-B14F-4D97-AF65-F5344CB8AC3E}">
-        <p14:creationId xmlns:p14="http://schemas.microsoft.com/office/powerpoint/2010/main" val="3161949432"/>
-      </p:ext>
-    </p:extLst>
   </p:cSld>
   <p:clrMapOvr>
     <a:masterClrMapping/>
@@ -16664,7 +14402,7 @@
         <p:spPr>
           <a:xfrm>
             <a:off x="336000" y="712800"/>
-            <a:ext cx="11520000" cy="5596520"/>
+            <a:ext cx="11520000" cy="642937"/>
           </a:xfrm>
         </p:spPr>
         <p:txBody>
@@ -16672,13 +14410,14 @@
           <a:lstStyle/>
           <a:p>
             <a:r>
+              <a:rPr lang="zh-CN" altLang="en-CN" dirty="0"/>
+              <a:t>问题</a:t>
+            </a:r>
+            <a:r>
               <a:rPr lang="zh-CN" altLang="en-US" dirty="0"/>
-              <a:t>研究现状</a:t>
-            </a:r>
-            <a:r>
-              <a:rPr lang="en-US" altLang="zh-CN" dirty="0"/>
-              <a:t>	</a:t>
-            </a:r>
+              <a:t>和难点</a:t>
+            </a:r>
+            <a:endParaRPr lang="en-US" altLang="zh-CN" dirty="0"/>
           </a:p>
         </p:txBody>
       </p:sp>
@@ -16699,134 +14438,254 @@
           <a:p>
             <a:r>
               <a:rPr lang="zh-CN" altLang="en-US" dirty="0"/>
-              <a:t>二、研究现状</a:t>
+              <a:t>三、研究内容</a:t>
             </a:r>
           </a:p>
         </p:txBody>
       </p:sp>
-      <p:grpSp>
-        <p:nvGrpSpPr>
-          <p:cNvPr id="4" name="Group 3">
+      <p:sp>
+        <p:nvSpPr>
+          <p:cNvPr id="4" name="TextBox 3">
             <a:extLst>
               <a:ext uri="{FF2B5EF4-FFF2-40B4-BE49-F238E27FC236}">
-                <a16:creationId xmlns:a16="http://schemas.microsoft.com/office/drawing/2014/main" id="{9E9B1B1A-7D1B-A3AD-8C14-1BD91F5D607E}"/>
+                <a16:creationId xmlns:a16="http://schemas.microsoft.com/office/drawing/2014/main" id="{DD5F2C16-C047-80D8-920E-3BC02D24BAC4}"/>
               </a:ext>
             </a:extLst>
           </p:cNvPr>
-          <p:cNvGrpSpPr/>
+          <p:cNvSpPr txBox="1"/>
           <p:nvPr/>
-        </p:nvGrpSpPr>
-        <p:grpSpPr>
+        </p:nvSpPr>
+        <p:spPr>
           <a:xfrm>
-            <a:off x="2758401" y="1556792"/>
-            <a:ext cx="6675199" cy="5002202"/>
-            <a:chOff x="0" y="0"/>
-            <a:chExt cx="3658235" cy="2741376"/>
+            <a:off x="839416" y="1628800"/>
+            <a:ext cx="10225136" cy="4339650"/>
           </a:xfrm>
-        </p:grpSpPr>
-        <p:pic>
-          <p:nvPicPr>
-            <p:cNvPr id="5" name="Picture 4">
-              <a:extLst>
-                <a:ext uri="{FF2B5EF4-FFF2-40B4-BE49-F238E27FC236}">
-                  <a16:creationId xmlns:a16="http://schemas.microsoft.com/office/drawing/2014/main" id="{1EBC59DB-C710-5569-C0FF-94B49FBCD1E5}"/>
-                </a:ext>
-              </a:extLst>
-            </p:cNvPr>
-            <p:cNvPicPr>
-              <a:picLocks noChangeAspect="1"/>
-            </p:cNvPicPr>
-            <p:nvPr/>
-          </p:nvPicPr>
-          <p:blipFill>
-            <a:blip r:embed="rId3" cstate="print">
-              <a:extLst>
-                <a:ext uri="{28A0092B-C50C-407E-A947-70E740481C1C}">
-                  <a14:useLocalDpi xmlns:a14="http://schemas.microsoft.com/office/drawing/2010/main" val="0"/>
-                </a:ext>
-              </a:extLst>
-            </a:blip>
-            <a:stretch>
-              <a:fillRect/>
-            </a:stretch>
-          </p:blipFill>
-          <p:spPr>
-            <a:xfrm>
-              <a:off x="0" y="0"/>
-              <a:ext cx="3658235" cy="2312035"/>
-            </a:xfrm>
-            <a:prstGeom prst="rect">
-              <a:avLst/>
-            </a:prstGeom>
-          </p:spPr>
-        </p:pic>
-        <p:sp>
-          <p:nvSpPr>
-            <p:cNvPr id="6" name="Text Box 17">
-              <a:extLst>
-                <a:ext uri="{FF2B5EF4-FFF2-40B4-BE49-F238E27FC236}">
-                  <a16:creationId xmlns:a16="http://schemas.microsoft.com/office/drawing/2014/main" id="{BCA3808D-B52F-5288-A4D4-1D5DC1F98138}"/>
-                </a:ext>
-              </a:extLst>
-            </p:cNvPr>
-            <p:cNvSpPr txBox="1"/>
-            <p:nvPr/>
-          </p:nvSpPr>
-          <p:spPr>
-            <a:xfrm>
-              <a:off x="0" y="2568499"/>
-              <a:ext cx="3658235" cy="172877"/>
-            </a:xfrm>
-            <a:prstGeom prst="rect">
-              <a:avLst/>
-            </a:prstGeom>
-            <a:solidFill>
-              <a:prstClr val="white"/>
-            </a:solidFill>
-            <a:ln>
-              <a:noFill/>
-            </a:ln>
-          </p:spPr>
-          <p:txBody>
-            <a:bodyPr rot="0" spcFirstLastPara="0" vert="horz" wrap="square" lIns="0" tIns="0" rIns="0" bIns="0" numCol="1" spcCol="0" rtlCol="0" fromWordArt="0" anchor="t" anchorCtr="0" forceAA="0" compatLnSpc="1">
-              <a:prstTxWarp prst="textNoShape">
-                <a:avLst/>
-              </a:prstTxWarp>
-              <a:spAutoFit/>
-            </a:bodyPr>
-            <a:lstStyle/>
-            <a:p>
-              <a:pPr algn="ctr">
-                <a:spcBef>
-                  <a:spcPts val="760"/>
-                </a:spcBef>
-                <a:spcAft>
-                  <a:spcPts val="800"/>
-                </a:spcAft>
-              </a:pPr>
-              <a:r>
-                <a:rPr lang="zh-CN" kern="100" dirty="0">
-                  <a:effectLst/>
-                  <a:latin typeface="+mn-ea"/>
-                  <a:ea typeface="+mn-ea"/>
-                  <a:cs typeface="SimSun" panose="02010600030101010101" pitchFamily="2" charset="-122"/>
-                </a:rPr>
-                <a:t>基于眼睛注视的指向选择</a:t>
-              </a:r>
-              <a:endParaRPr lang="en-CN" kern="100" dirty="0">
-                <a:effectLst/>
+          <a:prstGeom prst="rect">
+            <a:avLst/>
+          </a:prstGeom>
+          <a:solidFill>
+            <a:schemeClr val="bg1"/>
+          </a:solidFill>
+        </p:spPr>
+        <p:txBody>
+          <a:bodyPr wrap="square" rtlCol="0" anchor="t">
+            <a:spAutoFit/>
+          </a:bodyPr>
+          <a:lstStyle/>
+          <a:p>
+            <a:pPr algn="ctr"/>
+            <a:r>
+              <a:rPr lang="en-US" altLang="zh-CN" sz="2800" dirty="0">
                 <a:latin typeface="+mn-ea"/>
                 <a:ea typeface="+mn-ea"/>
-                <a:cs typeface="SimSun" panose="02010600030101010101" pitchFamily="2" charset="-122"/>
-              </a:endParaRPr>
-            </a:p>
-          </p:txBody>
-        </p:sp>
-      </p:grpSp>
+                <a:cs typeface="Cambria Math" panose="02040503050406030204" pitchFamily="18" charset="0"/>
+              </a:rPr>
+              <a:t>—</a:t>
+            </a:r>
+            <a:r>
+              <a:rPr lang="zh-CN" altLang="en-US" sz="2800" dirty="0">
+                <a:latin typeface="+mn-ea"/>
+                <a:ea typeface="+mn-ea"/>
+                <a:cs typeface="Cambria Math" panose="02040503050406030204" pitchFamily="18" charset="0"/>
+              </a:rPr>
+              <a:t> </a:t>
+            </a:r>
+            <a:r>
+              <a:rPr lang="zh-CN" altLang="en-US" sz="2800" b="1" dirty="0">
+                <a:solidFill>
+                  <a:srgbClr val="FF0000"/>
+                </a:solidFill>
+                <a:latin typeface="+mn-ea"/>
+                <a:ea typeface="+mn-ea"/>
+                <a:cs typeface="Cambria Math" panose="02040503050406030204" pitchFamily="18" charset="0"/>
+              </a:rPr>
+              <a:t>问题 </a:t>
+            </a:r>
+            <a:r>
+              <a:rPr lang="en-US" altLang="zh-CN" sz="2800" b="1" dirty="0">
+                <a:latin typeface="+mn-ea"/>
+                <a:ea typeface="+mn-ea"/>
+                <a:cs typeface="Cambria Math" panose="02040503050406030204" pitchFamily="18" charset="0"/>
+              </a:rPr>
+              <a:t>—</a:t>
+            </a:r>
+            <a:endParaRPr lang="en-US" altLang="zh-CN" sz="2200" b="1" dirty="0">
+              <a:latin typeface="+mn-ea"/>
+              <a:ea typeface="+mn-ea"/>
+              <a:cs typeface="Cambria Math" panose="02040503050406030204" pitchFamily="18" charset="0"/>
+            </a:endParaRPr>
+          </a:p>
+          <a:p>
+            <a:pPr algn="l"/>
+            <a:r>
+              <a:rPr lang="zh-CN" altLang="en-US" sz="2200" dirty="0">
+                <a:latin typeface="+mn-ea"/>
+                <a:ea typeface="+mn-ea"/>
+                <a:cs typeface="Cambria Math" panose="02040503050406030204" pitchFamily="18" charset="0"/>
+              </a:rPr>
+              <a:t>如何确定一套快速、准确、易用的虚拟现实头眼协同对象操纵方法？</a:t>
+            </a:r>
+            <a:endParaRPr lang="en-US" altLang="zh-CN" sz="2200" dirty="0">
+              <a:latin typeface="+mn-ea"/>
+              <a:ea typeface="+mn-ea"/>
+              <a:cs typeface="Cambria Math" panose="02040503050406030204" pitchFamily="18" charset="0"/>
+            </a:endParaRPr>
+          </a:p>
+          <a:p>
+            <a:pPr algn="l"/>
+            <a:endParaRPr lang="en-US" altLang="zh-CN" sz="2200" dirty="0">
+              <a:latin typeface="+mn-ea"/>
+              <a:ea typeface="+mn-ea"/>
+              <a:cs typeface="Cambria Math" panose="02040503050406030204" pitchFamily="18" charset="0"/>
+            </a:endParaRPr>
+          </a:p>
+          <a:p>
+            <a:pPr algn="ctr"/>
+            <a:r>
+              <a:rPr lang="en-US" altLang="zh-CN" sz="2800" dirty="0">
+                <a:latin typeface="+mn-ea"/>
+                <a:ea typeface="+mn-ea"/>
+                <a:cs typeface="Cambria Math" panose="02040503050406030204" pitchFamily="18" charset="0"/>
+              </a:rPr>
+              <a:t>—</a:t>
+            </a:r>
+            <a:r>
+              <a:rPr lang="zh-CN" altLang="en-US" sz="2800" dirty="0">
+                <a:latin typeface="+mn-ea"/>
+                <a:ea typeface="+mn-ea"/>
+                <a:cs typeface="Cambria Math" panose="02040503050406030204" pitchFamily="18" charset="0"/>
+              </a:rPr>
+              <a:t> </a:t>
+            </a:r>
+            <a:r>
+              <a:rPr lang="zh-CN" altLang="en-US" sz="2800" b="1" dirty="0">
+                <a:solidFill>
+                  <a:srgbClr val="FF0000"/>
+                </a:solidFill>
+                <a:latin typeface="+mn-ea"/>
+                <a:ea typeface="+mn-ea"/>
+                <a:cs typeface="Cambria Math" panose="02040503050406030204" pitchFamily="18" charset="0"/>
+              </a:rPr>
+              <a:t>难点 </a:t>
+            </a:r>
+            <a:r>
+              <a:rPr lang="en-US" altLang="zh-CN" sz="2800" b="1" dirty="0">
+                <a:latin typeface="+mn-ea"/>
+                <a:ea typeface="+mn-ea"/>
+                <a:cs typeface="Cambria Math" panose="02040503050406030204" pitchFamily="18" charset="0"/>
+              </a:rPr>
+              <a:t>—</a:t>
+            </a:r>
+            <a:endParaRPr lang="en-US" altLang="zh-CN" sz="2200" dirty="0">
+              <a:latin typeface="+mn-ea"/>
+              <a:ea typeface="+mn-ea"/>
+              <a:cs typeface="Cambria Math" panose="02040503050406030204" pitchFamily="18" charset="0"/>
+            </a:endParaRPr>
+          </a:p>
+          <a:p>
+            <a:pPr marL="457200" indent="-457200" algn="l">
+              <a:buFont typeface="+mj-lt"/>
+              <a:buAutoNum type="arabicParenR"/>
+            </a:pPr>
+            <a:r>
+              <a:rPr lang="zh-CN" altLang="en-US" sz="2200" dirty="0">
+                <a:latin typeface="+mn-ea"/>
+                <a:ea typeface="+mn-ea"/>
+                <a:cs typeface="Cambria Math" panose="02040503050406030204" pitchFamily="18" charset="0"/>
+              </a:rPr>
+              <a:t>通过眼动可获取的信号有限，因为眼球本身无法做出多样化的动作；</a:t>
+            </a:r>
+            <a:endParaRPr lang="en-US" altLang="zh-CN" sz="2200" dirty="0">
+              <a:latin typeface="+mn-ea"/>
+              <a:ea typeface="+mn-ea"/>
+              <a:cs typeface="Cambria Math" panose="02040503050406030204" pitchFamily="18" charset="0"/>
+            </a:endParaRPr>
+          </a:p>
+          <a:p>
+            <a:pPr marL="457200" indent="-457200" algn="l">
+              <a:buFont typeface="+mj-lt"/>
+              <a:buAutoNum type="arabicParenR"/>
+            </a:pPr>
+            <a:r>
+              <a:rPr lang="zh-CN" altLang="en-US" sz="2200" dirty="0">
+                <a:latin typeface="+mn-ea"/>
+                <a:ea typeface="+mn-ea"/>
+                <a:cs typeface="Cambria Math" panose="02040503050406030204" pitchFamily="18" charset="0"/>
+              </a:rPr>
+              <a:t>由于本能性的动作干扰（如无意识的眨眼），眼动信号解析难度大；</a:t>
+            </a:r>
+            <a:endParaRPr lang="en-US" altLang="zh-CN" sz="2200" dirty="0">
+              <a:latin typeface="+mn-ea"/>
+              <a:ea typeface="+mn-ea"/>
+              <a:cs typeface="Cambria Math" panose="02040503050406030204" pitchFamily="18" charset="0"/>
+            </a:endParaRPr>
+          </a:p>
+          <a:p>
+            <a:pPr marL="457200" indent="-457200" algn="l">
+              <a:buFont typeface="+mj-lt"/>
+              <a:buAutoNum type="arabicParenR"/>
+            </a:pPr>
+            <a:r>
+              <a:rPr lang="zh-CN" altLang="en-US" sz="2200" dirty="0">
+                <a:latin typeface="+mn-ea"/>
+                <a:ea typeface="+mn-ea"/>
+                <a:cs typeface="Cambria Math" panose="02040503050406030204" pitchFamily="18" charset="0"/>
+              </a:rPr>
+              <a:t>目前眼动追踪设备并不精确，无法检测到较为微弱的眼动动作；</a:t>
+            </a:r>
+            <a:endParaRPr lang="en-US" altLang="zh-CN" sz="2200" dirty="0">
+              <a:latin typeface="+mn-ea"/>
+              <a:ea typeface="+mn-ea"/>
+              <a:cs typeface="Cambria Math" panose="02040503050406030204" pitchFamily="18" charset="0"/>
+            </a:endParaRPr>
+          </a:p>
+          <a:p>
+            <a:pPr marL="457200" indent="-457200" algn="l">
+              <a:buFont typeface="+mj-lt"/>
+              <a:buAutoNum type="arabicParenR"/>
+            </a:pPr>
+            <a:r>
+              <a:rPr lang="zh-CN" altLang="en-US" sz="2200" dirty="0">
+                <a:latin typeface="+mn-ea"/>
+                <a:ea typeface="+mn-ea"/>
+                <a:cs typeface="Cambria Math" panose="02040503050406030204" pitchFamily="18" charset="0"/>
+              </a:rPr>
+              <a:t>已有的基于眼动追踪的对象操纵方法使用负担非常大，主要是因为操作流程复杂并且需要视线高度集中，容易产生眼球生理性疲劳。需要考虑以尽可能少的头眼动作组合和尽可能小的专注度要求完成复杂的对象操纵步骤。</a:t>
+            </a:r>
+            <a:endParaRPr lang="en-US" altLang="zh-CN" sz="2200" dirty="0">
+              <a:latin typeface="+mn-ea"/>
+              <a:ea typeface="+mn-ea"/>
+              <a:cs typeface="Cambria Math" panose="02040503050406030204" pitchFamily="18" charset="0"/>
+            </a:endParaRPr>
+          </a:p>
+          <a:p>
+            <a:pPr marL="457200" indent="-457200" algn="l">
+              <a:buFont typeface="+mj-lt"/>
+              <a:buAutoNum type="arabicParenR"/>
+            </a:pPr>
+            <a:endParaRPr lang="en-US" altLang="zh-CN" sz="2200" dirty="0">
+              <a:latin typeface="+mn-ea"/>
+              <a:ea typeface="+mn-ea"/>
+              <a:cs typeface="Cambria Math" panose="02040503050406030204" pitchFamily="18" charset="0"/>
+            </a:endParaRPr>
+          </a:p>
+          <a:p>
+            <a:pPr marL="457200" indent="-457200" algn="l">
+              <a:buFont typeface="+mj-lt"/>
+              <a:buAutoNum type="arabicParenR"/>
+            </a:pPr>
+            <a:endParaRPr lang="en-US" altLang="zh-CN" sz="2200" dirty="0">
+              <a:latin typeface="+mn-ea"/>
+              <a:ea typeface="+mn-ea"/>
+              <a:cs typeface="Cambria Math" panose="02040503050406030204" pitchFamily="18" charset="0"/>
+            </a:endParaRPr>
+          </a:p>
+        </p:txBody>
+      </p:sp>
     </p:spTree>
     <p:extLst>
       <p:ext uri="{BB962C8B-B14F-4D97-AF65-F5344CB8AC3E}">
-        <p14:creationId xmlns:p14="http://schemas.microsoft.com/office/powerpoint/2010/main" val="3154817852"/>
+        <p14:creationId xmlns:p14="http://schemas.microsoft.com/office/powerpoint/2010/main" val="2484933703"/>
       </p:ext>
     </p:extLst>
   </p:cSld>
